--- a/presentation/Sokonet.pptx
+++ b/presentation/Sokonet.pptx
@@ -4,6 +4,9 @@
   <p:sldMasterIdLst>
     <p:sldMasterId id="2147483756" r:id="rId1"/>
   </p:sldMasterIdLst>
+  <p:notesMasterIdLst>
+    <p:notesMasterId r:id="rId18"/>
+  </p:notesMasterIdLst>
   <p:sldIdLst>
     <p:sldId id="256" r:id="rId2"/>
     <p:sldId id="257" r:id="rId3"/>
@@ -19,7 +22,8 @@
     <p:sldId id="269" r:id="rId13"/>
     <p:sldId id="270" r:id="rId14"/>
     <p:sldId id="271" r:id="rId15"/>
-    <p:sldId id="272" r:id="rId16"/>
+    <p:sldId id="274" r:id="rId16"/>
+    <p:sldId id="272" r:id="rId17"/>
   </p:sldIdLst>
   <p:sldSz cx="9144000" cy="6858000" type="screen4x3"/>
   <p:notesSz cx="6858000" cy="9144000"/>
@@ -118,7 +122,446 @@
       </a:defRPr>
     </a:lvl9pPr>
   </p:defaultTextStyle>
+  <p:extLst>
+    <p:ext uri="{EFAFB233-063F-42B5-8137-9DF3F51BA10A}">
+      <p15:sldGuideLst xmlns:p15="http://schemas.microsoft.com/office/powerpoint/2012/main"/>
+    </p:ext>
+  </p:extLst>
 </p:presentation>
+</file>
+
+<file path=ppt/notesMasters/notesMaster1.xml><?xml version="1.0" encoding="utf-8"?>
+<p:notesMaster xmlns:a="http://schemas.openxmlformats.org/drawingml/2006/main" xmlns:r="http://schemas.openxmlformats.org/officeDocument/2006/relationships" xmlns:p="http://schemas.openxmlformats.org/presentationml/2006/main">
+  <p:cSld>
+    <p:bg>
+      <p:bgRef idx="1001">
+        <a:schemeClr val="bg1"/>
+      </p:bgRef>
+    </p:bg>
+    <p:spTree>
+      <p:nvGrpSpPr>
+        <p:cNvPr id="1" name=""/>
+        <p:cNvGrpSpPr/>
+        <p:nvPr/>
+      </p:nvGrpSpPr>
+      <p:grpSpPr>
+        <a:xfrm>
+          <a:off x="0" y="0"/>
+          <a:ext cx="0" cy="0"/>
+          <a:chOff x="0" y="0"/>
+          <a:chExt cx="0" cy="0"/>
+        </a:xfrm>
+      </p:grpSpPr>
+      <p:sp>
+        <p:nvSpPr>
+          <p:cNvPr id="2" name="Header Placeholder 1"/>
+          <p:cNvSpPr>
+            <a:spLocks noGrp="1"/>
+          </p:cNvSpPr>
+          <p:nvPr>
+            <p:ph type="hdr" sz="quarter"/>
+          </p:nvPr>
+        </p:nvSpPr>
+        <p:spPr>
+          <a:xfrm>
+            <a:off x="0" y="0"/>
+            <a:ext cx="2971800" cy="458788"/>
+          </a:xfrm>
+          <a:prstGeom prst="rect">
+            <a:avLst/>
+          </a:prstGeom>
+        </p:spPr>
+        <p:txBody>
+          <a:bodyPr vert="horz" lIns="91440" tIns="45720" rIns="91440" bIns="45720" rtlCol="0"/>
+          <a:lstStyle>
+            <a:lvl1pPr algn="l">
+              <a:defRPr sz="1200"/>
+            </a:lvl1pPr>
+          </a:lstStyle>
+          <a:p>
+            <a:endParaRPr lang="fr-FR"/>
+          </a:p>
+        </p:txBody>
+      </p:sp>
+      <p:sp>
+        <p:nvSpPr>
+          <p:cNvPr id="3" name="Date Placeholder 2"/>
+          <p:cNvSpPr>
+            <a:spLocks noGrp="1"/>
+          </p:cNvSpPr>
+          <p:nvPr>
+            <p:ph type="dt" idx="1"/>
+          </p:nvPr>
+        </p:nvSpPr>
+        <p:spPr>
+          <a:xfrm>
+            <a:off x="3884613" y="0"/>
+            <a:ext cx="2971800" cy="458788"/>
+          </a:xfrm>
+          <a:prstGeom prst="rect">
+            <a:avLst/>
+          </a:prstGeom>
+        </p:spPr>
+        <p:txBody>
+          <a:bodyPr vert="horz" lIns="91440" tIns="45720" rIns="91440" bIns="45720" rtlCol="0"/>
+          <a:lstStyle>
+            <a:lvl1pPr algn="r">
+              <a:defRPr sz="1200"/>
+            </a:lvl1pPr>
+          </a:lstStyle>
+          <a:p>
+            <a:fld id="{12A55747-296B-4D43-ADED-70804A41352C}" type="datetimeFigureOut">
+              <a:rPr lang="fr-FR" smtClean="0"/>
+              <a:t>14/06/2016</a:t>
+            </a:fld>
+            <a:endParaRPr lang="fr-FR"/>
+          </a:p>
+        </p:txBody>
+      </p:sp>
+      <p:sp>
+        <p:nvSpPr>
+          <p:cNvPr id="4" name="Slide Image Placeholder 3"/>
+          <p:cNvSpPr>
+            <a:spLocks noGrp="1" noRot="1" noChangeAspect="1"/>
+          </p:cNvSpPr>
+          <p:nvPr>
+            <p:ph type="sldImg" idx="2"/>
+          </p:nvPr>
+        </p:nvSpPr>
+        <p:spPr>
+          <a:xfrm>
+            <a:off x="1371600" y="1143000"/>
+            <a:ext cx="4114800" cy="3086100"/>
+          </a:xfrm>
+          <a:prstGeom prst="rect">
+            <a:avLst/>
+          </a:prstGeom>
+          <a:noFill/>
+          <a:ln w="12700">
+            <a:solidFill>
+              <a:prstClr val="black"/>
+            </a:solidFill>
+          </a:ln>
+        </p:spPr>
+        <p:txBody>
+          <a:bodyPr vert="horz" lIns="91440" tIns="45720" rIns="91440" bIns="45720" rtlCol="0" anchor="ctr"/>
+          <a:lstStyle/>
+          <a:p>
+            <a:endParaRPr lang="fr-FR"/>
+          </a:p>
+        </p:txBody>
+      </p:sp>
+      <p:sp>
+        <p:nvSpPr>
+          <p:cNvPr id="5" name="Notes Placeholder 4"/>
+          <p:cNvSpPr>
+            <a:spLocks noGrp="1"/>
+          </p:cNvSpPr>
+          <p:nvPr>
+            <p:ph type="body" sz="quarter" idx="3"/>
+          </p:nvPr>
+        </p:nvSpPr>
+        <p:spPr>
+          <a:xfrm>
+            <a:off x="685800" y="4400550"/>
+            <a:ext cx="5486400" cy="3600450"/>
+          </a:xfrm>
+          <a:prstGeom prst="rect">
+            <a:avLst/>
+          </a:prstGeom>
+        </p:spPr>
+        <p:txBody>
+          <a:bodyPr vert="horz" lIns="91440" tIns="45720" rIns="91440" bIns="45720" rtlCol="0"/>
+          <a:lstStyle/>
+          <a:p>
+            <a:pPr lvl="0"/>
+            <a:r>
+              <a:rPr lang="en-US" smtClean="0"/>
+              <a:t>Click to edit Master text styles</a:t>
+            </a:r>
+          </a:p>
+          <a:p>
+            <a:pPr lvl="1"/>
+            <a:r>
+              <a:rPr lang="en-US" smtClean="0"/>
+              <a:t>Second level</a:t>
+            </a:r>
+          </a:p>
+          <a:p>
+            <a:pPr lvl="2"/>
+            <a:r>
+              <a:rPr lang="en-US" smtClean="0"/>
+              <a:t>Third level</a:t>
+            </a:r>
+          </a:p>
+          <a:p>
+            <a:pPr lvl="3"/>
+            <a:r>
+              <a:rPr lang="en-US" smtClean="0"/>
+              <a:t>Fourth level</a:t>
+            </a:r>
+          </a:p>
+          <a:p>
+            <a:pPr lvl="4"/>
+            <a:r>
+              <a:rPr lang="en-US" smtClean="0"/>
+              <a:t>Fifth level</a:t>
+            </a:r>
+            <a:endParaRPr lang="fr-FR"/>
+          </a:p>
+        </p:txBody>
+      </p:sp>
+      <p:sp>
+        <p:nvSpPr>
+          <p:cNvPr id="6" name="Footer Placeholder 5"/>
+          <p:cNvSpPr>
+            <a:spLocks noGrp="1"/>
+          </p:cNvSpPr>
+          <p:nvPr>
+            <p:ph type="ftr" sz="quarter" idx="4"/>
+          </p:nvPr>
+        </p:nvSpPr>
+        <p:spPr>
+          <a:xfrm>
+            <a:off x="0" y="8685213"/>
+            <a:ext cx="2971800" cy="458787"/>
+          </a:xfrm>
+          <a:prstGeom prst="rect">
+            <a:avLst/>
+          </a:prstGeom>
+        </p:spPr>
+        <p:txBody>
+          <a:bodyPr vert="horz" lIns="91440" tIns="45720" rIns="91440" bIns="45720" rtlCol="0" anchor="b"/>
+          <a:lstStyle>
+            <a:lvl1pPr algn="l">
+              <a:defRPr sz="1200"/>
+            </a:lvl1pPr>
+          </a:lstStyle>
+          <a:p>
+            <a:endParaRPr lang="fr-FR"/>
+          </a:p>
+        </p:txBody>
+      </p:sp>
+      <p:sp>
+        <p:nvSpPr>
+          <p:cNvPr id="7" name="Slide Number Placeholder 6"/>
+          <p:cNvSpPr>
+            <a:spLocks noGrp="1"/>
+          </p:cNvSpPr>
+          <p:nvPr>
+            <p:ph type="sldNum" sz="quarter" idx="5"/>
+          </p:nvPr>
+        </p:nvSpPr>
+        <p:spPr>
+          <a:xfrm>
+            <a:off x="3884613" y="8685213"/>
+            <a:ext cx="2971800" cy="458787"/>
+          </a:xfrm>
+          <a:prstGeom prst="rect">
+            <a:avLst/>
+          </a:prstGeom>
+        </p:spPr>
+        <p:txBody>
+          <a:bodyPr vert="horz" lIns="91440" tIns="45720" rIns="91440" bIns="45720" rtlCol="0" anchor="b"/>
+          <a:lstStyle>
+            <a:lvl1pPr algn="r">
+              <a:defRPr sz="1200"/>
+            </a:lvl1pPr>
+          </a:lstStyle>
+          <a:p>
+            <a:fld id="{2A8083D5-DE23-4A00-8EE9-F3D32EC15556}" type="slidenum">
+              <a:rPr lang="fr-FR" smtClean="0"/>
+              <a:t>‹#›</a:t>
+            </a:fld>
+            <a:endParaRPr lang="fr-FR"/>
+          </a:p>
+        </p:txBody>
+      </p:sp>
+    </p:spTree>
+    <p:extLst>
+      <p:ext uri="{BB962C8B-B14F-4D97-AF65-F5344CB8AC3E}">
+        <p14:creationId xmlns:p14="http://schemas.microsoft.com/office/powerpoint/2010/main" val="3876107583"/>
+      </p:ext>
+    </p:extLst>
+  </p:cSld>
+  <p:clrMap bg1="lt1" tx1="dk1" bg2="lt2" tx2="dk2" accent1="accent1" accent2="accent2" accent3="accent3" accent4="accent4" accent5="accent5" accent6="accent6" hlink="hlink" folHlink="folHlink"/>
+  <p:notesStyle>
+    <a:lvl1pPr marL="0" algn="l" defTabSz="914400" rtl="0" eaLnBrk="1" latinLnBrk="0" hangingPunct="1">
+      <a:defRPr sz="1200" kern="1200">
+        <a:solidFill>
+          <a:schemeClr val="tx1"/>
+        </a:solidFill>
+        <a:latin typeface="+mn-lt"/>
+        <a:ea typeface="+mn-ea"/>
+        <a:cs typeface="+mn-cs"/>
+      </a:defRPr>
+    </a:lvl1pPr>
+    <a:lvl2pPr marL="457200" algn="l" defTabSz="914400" rtl="0" eaLnBrk="1" latinLnBrk="0" hangingPunct="1">
+      <a:defRPr sz="1200" kern="1200">
+        <a:solidFill>
+          <a:schemeClr val="tx1"/>
+        </a:solidFill>
+        <a:latin typeface="+mn-lt"/>
+        <a:ea typeface="+mn-ea"/>
+        <a:cs typeface="+mn-cs"/>
+      </a:defRPr>
+    </a:lvl2pPr>
+    <a:lvl3pPr marL="914400" algn="l" defTabSz="914400" rtl="0" eaLnBrk="1" latinLnBrk="0" hangingPunct="1">
+      <a:defRPr sz="1200" kern="1200">
+        <a:solidFill>
+          <a:schemeClr val="tx1"/>
+        </a:solidFill>
+        <a:latin typeface="+mn-lt"/>
+        <a:ea typeface="+mn-ea"/>
+        <a:cs typeface="+mn-cs"/>
+      </a:defRPr>
+    </a:lvl3pPr>
+    <a:lvl4pPr marL="1371600" algn="l" defTabSz="914400" rtl="0" eaLnBrk="1" latinLnBrk="0" hangingPunct="1">
+      <a:defRPr sz="1200" kern="1200">
+        <a:solidFill>
+          <a:schemeClr val="tx1"/>
+        </a:solidFill>
+        <a:latin typeface="+mn-lt"/>
+        <a:ea typeface="+mn-ea"/>
+        <a:cs typeface="+mn-cs"/>
+      </a:defRPr>
+    </a:lvl4pPr>
+    <a:lvl5pPr marL="1828800" algn="l" defTabSz="914400" rtl="0" eaLnBrk="1" latinLnBrk="0" hangingPunct="1">
+      <a:defRPr sz="1200" kern="1200">
+        <a:solidFill>
+          <a:schemeClr val="tx1"/>
+        </a:solidFill>
+        <a:latin typeface="+mn-lt"/>
+        <a:ea typeface="+mn-ea"/>
+        <a:cs typeface="+mn-cs"/>
+      </a:defRPr>
+    </a:lvl5pPr>
+    <a:lvl6pPr marL="2286000" algn="l" defTabSz="914400" rtl="0" eaLnBrk="1" latinLnBrk="0" hangingPunct="1">
+      <a:defRPr sz="1200" kern="1200">
+        <a:solidFill>
+          <a:schemeClr val="tx1"/>
+        </a:solidFill>
+        <a:latin typeface="+mn-lt"/>
+        <a:ea typeface="+mn-ea"/>
+        <a:cs typeface="+mn-cs"/>
+      </a:defRPr>
+    </a:lvl6pPr>
+    <a:lvl7pPr marL="2743200" algn="l" defTabSz="914400" rtl="0" eaLnBrk="1" latinLnBrk="0" hangingPunct="1">
+      <a:defRPr sz="1200" kern="1200">
+        <a:solidFill>
+          <a:schemeClr val="tx1"/>
+        </a:solidFill>
+        <a:latin typeface="+mn-lt"/>
+        <a:ea typeface="+mn-ea"/>
+        <a:cs typeface="+mn-cs"/>
+      </a:defRPr>
+    </a:lvl7pPr>
+    <a:lvl8pPr marL="3200400" algn="l" defTabSz="914400" rtl="0" eaLnBrk="1" latinLnBrk="0" hangingPunct="1">
+      <a:defRPr sz="1200" kern="1200">
+        <a:solidFill>
+          <a:schemeClr val="tx1"/>
+        </a:solidFill>
+        <a:latin typeface="+mn-lt"/>
+        <a:ea typeface="+mn-ea"/>
+        <a:cs typeface="+mn-cs"/>
+      </a:defRPr>
+    </a:lvl8pPr>
+    <a:lvl9pPr marL="3657600" algn="l" defTabSz="914400" rtl="0" eaLnBrk="1" latinLnBrk="0" hangingPunct="1">
+      <a:defRPr sz="1200" kern="1200">
+        <a:solidFill>
+          <a:schemeClr val="tx1"/>
+        </a:solidFill>
+        <a:latin typeface="+mn-lt"/>
+        <a:ea typeface="+mn-ea"/>
+        <a:cs typeface="+mn-cs"/>
+      </a:defRPr>
+    </a:lvl9pPr>
+  </p:notesStyle>
+</p:notesMaster>
+</file>
+
+<file path=ppt/notesSlides/notesSlide1.xml><?xml version="1.0" encoding="utf-8"?>
+<p:notes xmlns:a="http://schemas.openxmlformats.org/drawingml/2006/main" xmlns:r="http://schemas.openxmlformats.org/officeDocument/2006/relationships" xmlns:p="http://schemas.openxmlformats.org/presentationml/2006/main">
+  <p:cSld>
+    <p:spTree>
+      <p:nvGrpSpPr>
+        <p:cNvPr id="1" name=""/>
+        <p:cNvGrpSpPr/>
+        <p:nvPr/>
+      </p:nvGrpSpPr>
+      <p:grpSpPr>
+        <a:xfrm>
+          <a:off x="0" y="0"/>
+          <a:ext cx="0" cy="0"/>
+          <a:chOff x="0" y="0"/>
+          <a:chExt cx="0" cy="0"/>
+        </a:xfrm>
+      </p:grpSpPr>
+      <p:sp>
+        <p:nvSpPr>
+          <p:cNvPr id="2" name="Slide Image Placeholder 1"/>
+          <p:cNvSpPr>
+            <a:spLocks noGrp="1" noRot="1" noChangeAspect="1"/>
+          </p:cNvSpPr>
+          <p:nvPr>
+            <p:ph type="sldImg"/>
+          </p:nvPr>
+        </p:nvSpPr>
+        <p:spPr/>
+      </p:sp>
+      <p:sp>
+        <p:nvSpPr>
+          <p:cNvPr id="3" name="Notes Placeholder 2"/>
+          <p:cNvSpPr>
+            <a:spLocks noGrp="1"/>
+          </p:cNvSpPr>
+          <p:nvPr>
+            <p:ph type="body" idx="1"/>
+          </p:nvPr>
+        </p:nvSpPr>
+        <p:spPr/>
+        <p:txBody>
+          <a:bodyPr/>
+          <a:lstStyle/>
+          <a:p>
+            <a:endParaRPr lang="fr-FR"/>
+          </a:p>
+        </p:txBody>
+      </p:sp>
+      <p:sp>
+        <p:nvSpPr>
+          <p:cNvPr id="4" name="Slide Number Placeholder 3"/>
+          <p:cNvSpPr>
+            <a:spLocks noGrp="1"/>
+          </p:cNvSpPr>
+          <p:nvPr>
+            <p:ph type="sldNum" sz="quarter" idx="10"/>
+          </p:nvPr>
+        </p:nvSpPr>
+        <p:spPr/>
+        <p:txBody>
+          <a:bodyPr/>
+          <a:lstStyle/>
+          <a:p>
+            <a:fld id="{2A8083D5-DE23-4A00-8EE9-F3D32EC15556}" type="slidenum">
+              <a:rPr lang="fr-FR" smtClean="0"/>
+              <a:t>1</a:t>
+            </a:fld>
+            <a:endParaRPr lang="fr-FR"/>
+          </a:p>
+        </p:txBody>
+      </p:sp>
+    </p:spTree>
+    <p:extLst>
+      <p:ext uri="{BB962C8B-B14F-4D97-AF65-F5344CB8AC3E}">
+        <p14:creationId xmlns:p14="http://schemas.microsoft.com/office/powerpoint/2010/main" val="941034053"/>
+      </p:ext>
+    </p:extLst>
+  </p:cSld>
+  <p:clrMapOvr>
+    <a:masterClrMapping/>
+  </p:clrMapOvr>
+</p:notes>
 </file>
 
 <file path=ppt/slideLayouts/slideLayout1.xml><?xml version="1.0" encoding="utf-8"?>
@@ -250,9 +693,9 @@
           <a:bodyPr/>
           <a:lstStyle/>
           <a:p>
-            <a:fld id="{04F7D39F-1A72-42D0-8040-B0731CD0F961}" type="datetimeFigureOut">
+            <a:fld id="{453A4FE6-C6C7-4527-8300-E537A79C1767}" type="datetime1">
               <a:rPr lang="fr-CH" smtClean="0"/>
-              <a:t>13.06.2016</a:t>
+              <a:t>14.06.2016</a:t>
             </a:fld>
             <a:endParaRPr lang="fr-CH"/>
           </a:p>
@@ -420,9 +863,9 @@
           <a:bodyPr/>
           <a:lstStyle/>
           <a:p>
-            <a:fld id="{04F7D39F-1A72-42D0-8040-B0731CD0F961}" type="datetimeFigureOut">
+            <a:fld id="{5CFA340D-6B45-4A31-AEAB-53C4D7CC1D04}" type="datetime1">
               <a:rPr lang="fr-CH" smtClean="0"/>
-              <a:t>13.06.2016</a:t>
+              <a:t>14.06.2016</a:t>
             </a:fld>
             <a:endParaRPr lang="fr-CH"/>
           </a:p>
@@ -600,9 +1043,9 @@
           <a:bodyPr/>
           <a:lstStyle/>
           <a:p>
-            <a:fld id="{04F7D39F-1A72-42D0-8040-B0731CD0F961}" type="datetimeFigureOut">
+            <a:fld id="{0A681BAE-D967-4562-B10D-BD727E5F3A73}" type="datetime1">
               <a:rPr lang="fr-CH" smtClean="0"/>
-              <a:t>13.06.2016</a:t>
+              <a:t>14.06.2016</a:t>
             </a:fld>
             <a:endParaRPr lang="fr-CH"/>
           </a:p>
@@ -770,9 +1213,9 @@
           <a:bodyPr/>
           <a:lstStyle/>
           <a:p>
-            <a:fld id="{04F7D39F-1A72-42D0-8040-B0731CD0F961}" type="datetimeFigureOut">
+            <a:fld id="{0F1D21DF-2316-4D6F-8437-275FF2E0AEDE}" type="datetime1">
               <a:rPr lang="fr-CH" smtClean="0"/>
-              <a:t>13.06.2016</a:t>
+              <a:t>14.06.2016</a:t>
             </a:fld>
             <a:endParaRPr lang="fr-CH"/>
           </a:p>
@@ -1014,9 +1457,9 @@
           <a:bodyPr/>
           <a:lstStyle/>
           <a:p>
-            <a:fld id="{04F7D39F-1A72-42D0-8040-B0731CD0F961}" type="datetimeFigureOut">
+            <a:fld id="{87C16873-1281-4D67-BCDB-54BD7A03F91C}" type="datetime1">
               <a:rPr lang="fr-CH" smtClean="0"/>
-              <a:t>13.06.2016</a:t>
+              <a:t>14.06.2016</a:t>
             </a:fld>
             <a:endParaRPr lang="fr-CH"/>
           </a:p>
@@ -1246,9 +1689,9 @@
           <a:bodyPr/>
           <a:lstStyle/>
           <a:p>
-            <a:fld id="{04F7D39F-1A72-42D0-8040-B0731CD0F961}" type="datetimeFigureOut">
+            <a:fld id="{5A9B6CA2-5984-417A-9B60-20C2451283FE}" type="datetime1">
               <a:rPr lang="fr-CH" smtClean="0"/>
-              <a:t>13.06.2016</a:t>
+              <a:t>14.06.2016</a:t>
             </a:fld>
             <a:endParaRPr lang="fr-CH"/>
           </a:p>
@@ -1620,9 +2063,9 @@
           <a:bodyPr/>
           <a:lstStyle/>
           <a:p>
-            <a:fld id="{04F7D39F-1A72-42D0-8040-B0731CD0F961}" type="datetimeFigureOut">
+            <a:fld id="{3895AD71-255F-410C-AACE-6A55E01071DA}" type="datetime1">
               <a:rPr lang="fr-CH" smtClean="0"/>
-              <a:t>13.06.2016</a:t>
+              <a:t>14.06.2016</a:t>
             </a:fld>
             <a:endParaRPr lang="fr-CH"/>
           </a:p>
@@ -1738,9 +2181,9 @@
           <a:bodyPr/>
           <a:lstStyle/>
           <a:p>
-            <a:fld id="{04F7D39F-1A72-42D0-8040-B0731CD0F961}" type="datetimeFigureOut">
+            <a:fld id="{56762F9F-AFF2-4929-922C-B71343A39F32}" type="datetime1">
               <a:rPr lang="fr-CH" smtClean="0"/>
-              <a:t>13.06.2016</a:t>
+              <a:t>14.06.2016</a:t>
             </a:fld>
             <a:endParaRPr lang="fr-CH"/>
           </a:p>
@@ -1833,9 +2276,9 @@
           <a:bodyPr/>
           <a:lstStyle/>
           <a:p>
-            <a:fld id="{04F7D39F-1A72-42D0-8040-B0731CD0F961}" type="datetimeFigureOut">
+            <a:fld id="{F82FDF0E-969B-4887-9507-161CA6EAD3B4}" type="datetime1">
               <a:rPr lang="fr-CH" smtClean="0"/>
-              <a:t>13.06.2016</a:t>
+              <a:t>14.06.2016</a:t>
             </a:fld>
             <a:endParaRPr lang="fr-CH"/>
           </a:p>
@@ -2110,9 +2553,9 @@
           <a:bodyPr/>
           <a:lstStyle/>
           <a:p>
-            <a:fld id="{04F7D39F-1A72-42D0-8040-B0731CD0F961}" type="datetimeFigureOut">
+            <a:fld id="{51DAB8C5-53F7-4105-BDAE-1D3B43E09A63}" type="datetime1">
               <a:rPr lang="fr-CH" smtClean="0"/>
-              <a:t>13.06.2016</a:t>
+              <a:t>14.06.2016</a:t>
             </a:fld>
             <a:endParaRPr lang="fr-CH"/>
           </a:p>
@@ -2367,9 +2810,9 @@
           <a:bodyPr/>
           <a:lstStyle/>
           <a:p>
-            <a:fld id="{04F7D39F-1A72-42D0-8040-B0731CD0F961}" type="datetimeFigureOut">
+            <a:fld id="{C9239A65-D616-4CE3-9442-30910B2B5449}" type="datetime1">
               <a:rPr lang="fr-CH" smtClean="0"/>
-              <a:t>13.06.2016</a:t>
+              <a:t>14.06.2016</a:t>
             </a:fld>
             <a:endParaRPr lang="fr-CH"/>
           </a:p>
@@ -2580,9 +3023,9 @@
             </a:lvl1pPr>
           </a:lstStyle>
           <a:p>
-            <a:fld id="{04F7D39F-1A72-42D0-8040-B0731CD0F961}" type="datetimeFigureOut">
+            <a:fld id="{554B110F-0DB7-4ABA-A479-F44C033F2438}" type="datetime1">
               <a:rPr lang="fr-CH" smtClean="0"/>
-              <a:t>13.06.2016</a:t>
+              <a:t>14.06.2016</a:t>
             </a:fld>
             <a:endParaRPr lang="fr-CH"/>
           </a:p>
@@ -2694,6 +3137,7 @@
       </p:par>
     </p:tnLst>
   </p:timing>
+  <p:hf hdr="0" ftr="0" dt="0"/>
   <p:txStyles>
     <p:titleStyle>
       <a:lvl1pPr algn="l" defTabSz="914400" rtl="0" eaLnBrk="1" latinLnBrk="0" hangingPunct="1">
@@ -3108,6 +3552,29 @@
           </a:p>
         </p:txBody>
       </p:sp>
+      <p:sp>
+        <p:nvSpPr>
+          <p:cNvPr id="5" name="Slide Number Placeholder 4"/>
+          <p:cNvSpPr>
+            <a:spLocks noGrp="1"/>
+          </p:cNvSpPr>
+          <p:nvPr>
+            <p:ph type="sldNum" sz="quarter" idx="12"/>
+          </p:nvPr>
+        </p:nvSpPr>
+        <p:spPr/>
+        <p:txBody>
+          <a:bodyPr/>
+          <a:lstStyle/>
+          <a:p>
+            <a:fld id="{1F97A879-0BB1-4454-9264-CAA9D1A8BE2F}" type="slidenum">
+              <a:rPr lang="fr-CH" smtClean="0"/>
+              <a:t>1</a:t>
+            </a:fld>
+            <a:endParaRPr lang="fr-CH"/>
+          </a:p>
+        </p:txBody>
+      </p:sp>
     </p:spTree>
     <p:extLst>
       <p:ext uri="{BB962C8B-B14F-4D97-AF65-F5344CB8AC3E}">
@@ -3192,6 +3659,29 @@
           </a:p>
         </p:txBody>
       </p:sp>
+      <p:sp>
+        <p:nvSpPr>
+          <p:cNvPr id="2" name="Slide Number Placeholder 1"/>
+          <p:cNvSpPr>
+            <a:spLocks noGrp="1"/>
+          </p:cNvSpPr>
+          <p:nvPr>
+            <p:ph type="sldNum" sz="quarter" idx="12"/>
+          </p:nvPr>
+        </p:nvSpPr>
+        <p:spPr/>
+        <p:txBody>
+          <a:bodyPr/>
+          <a:lstStyle/>
+          <a:p>
+            <a:fld id="{1F97A879-0BB1-4454-9264-CAA9D1A8BE2F}" type="slidenum">
+              <a:rPr lang="fr-CH" smtClean="0"/>
+              <a:t>10</a:t>
+            </a:fld>
+            <a:endParaRPr lang="fr-CH"/>
+          </a:p>
+        </p:txBody>
+      </p:sp>
     </p:spTree>
     <p:extLst>
       <p:ext uri="{BB962C8B-B14F-4D97-AF65-F5344CB8AC3E}">
@@ -3335,6 +3825,29 @@
           </a:p>
         </p:txBody>
       </p:sp>
+      <p:sp>
+        <p:nvSpPr>
+          <p:cNvPr id="2" name="Slide Number Placeholder 1"/>
+          <p:cNvSpPr>
+            <a:spLocks noGrp="1"/>
+          </p:cNvSpPr>
+          <p:nvPr>
+            <p:ph type="sldNum" sz="quarter" idx="12"/>
+          </p:nvPr>
+        </p:nvSpPr>
+        <p:spPr/>
+        <p:txBody>
+          <a:bodyPr/>
+          <a:lstStyle/>
+          <a:p>
+            <a:fld id="{1F97A879-0BB1-4454-9264-CAA9D1A8BE2F}" type="slidenum">
+              <a:rPr lang="fr-CH" smtClean="0"/>
+              <a:t>11</a:t>
+            </a:fld>
+            <a:endParaRPr lang="fr-CH"/>
+          </a:p>
+        </p:txBody>
+      </p:sp>
     </p:spTree>
     <p:extLst>
       <p:ext uri="{BB962C8B-B14F-4D97-AF65-F5344CB8AC3E}">
@@ -3518,6 +4031,29 @@
           </a:xfrm>
         </p:spPr>
       </p:pic>
+      <p:sp>
+        <p:nvSpPr>
+          <p:cNvPr id="3" name="Slide Number Placeholder 2"/>
+          <p:cNvSpPr>
+            <a:spLocks noGrp="1"/>
+          </p:cNvSpPr>
+          <p:nvPr>
+            <p:ph type="sldNum" sz="quarter" idx="12"/>
+          </p:nvPr>
+        </p:nvSpPr>
+        <p:spPr/>
+        <p:txBody>
+          <a:bodyPr/>
+          <a:lstStyle/>
+          <a:p>
+            <a:fld id="{1F97A879-0BB1-4454-9264-CAA9D1A8BE2F}" type="slidenum">
+              <a:rPr lang="fr-CH" smtClean="0"/>
+              <a:t>12</a:t>
+            </a:fld>
+            <a:endParaRPr lang="fr-CH"/>
+          </a:p>
+        </p:txBody>
+      </p:sp>
     </p:spTree>
     <p:extLst>
       <p:ext uri="{BB962C8B-B14F-4D97-AF65-F5344CB8AC3E}">
@@ -3708,6 +4244,29 @@
           </a:prstGeom>
         </p:spPr>
       </p:pic>
+      <p:sp>
+        <p:nvSpPr>
+          <p:cNvPr id="4" name="Slide Number Placeholder 3"/>
+          <p:cNvSpPr>
+            <a:spLocks noGrp="1"/>
+          </p:cNvSpPr>
+          <p:nvPr>
+            <p:ph type="sldNum" sz="quarter" idx="12"/>
+          </p:nvPr>
+        </p:nvSpPr>
+        <p:spPr/>
+        <p:txBody>
+          <a:bodyPr/>
+          <a:lstStyle/>
+          <a:p>
+            <a:fld id="{1F97A879-0BB1-4454-9264-CAA9D1A8BE2F}" type="slidenum">
+              <a:rPr lang="fr-CH" smtClean="0"/>
+              <a:t>13</a:t>
+            </a:fld>
+            <a:endParaRPr lang="fr-CH"/>
+          </a:p>
+        </p:txBody>
+      </p:sp>
     </p:spTree>
     <p:extLst>
       <p:ext uri="{BB962C8B-B14F-4D97-AF65-F5344CB8AC3E}">
@@ -3812,6 +4371,29 @@
           </a:prstGeom>
         </p:spPr>
       </p:pic>
+      <p:sp>
+        <p:nvSpPr>
+          <p:cNvPr id="3" name="Slide Number Placeholder 2"/>
+          <p:cNvSpPr>
+            <a:spLocks noGrp="1"/>
+          </p:cNvSpPr>
+          <p:nvPr>
+            <p:ph type="sldNum" sz="quarter" idx="12"/>
+          </p:nvPr>
+        </p:nvSpPr>
+        <p:spPr/>
+        <p:txBody>
+          <a:bodyPr/>
+          <a:lstStyle/>
+          <a:p>
+            <a:fld id="{1F97A879-0BB1-4454-9264-CAA9D1A8BE2F}" type="slidenum">
+              <a:rPr lang="fr-CH" smtClean="0"/>
+              <a:t>14</a:t>
+            </a:fld>
+            <a:endParaRPr lang="fr-CH"/>
+          </a:p>
+        </p:txBody>
+      </p:sp>
     </p:spTree>
     <p:extLst>
       <p:ext uri="{BB962C8B-B14F-4D97-AF65-F5344CB8AC3E}">
@@ -3851,6 +4433,125 @@
       </p:grpSpPr>
       <p:sp>
         <p:nvSpPr>
+          <p:cNvPr id="2" name="Title 1"/>
+          <p:cNvSpPr>
+            <a:spLocks noGrp="1"/>
+          </p:cNvSpPr>
+          <p:nvPr>
+            <p:ph type="title"/>
+          </p:nvPr>
+        </p:nvSpPr>
+        <p:spPr/>
+        <p:txBody>
+          <a:bodyPr/>
+          <a:lstStyle/>
+          <a:p>
+            <a:r>
+              <a:rPr lang="fr-FR" dirty="0" smtClean="0"/>
+              <a:t>Conclusion</a:t>
+            </a:r>
+            <a:endParaRPr lang="fr-FR" dirty="0">
+              <a:solidFill>
+                <a:schemeClr val="tx1">
+                  <a:lumMod val="50000"/>
+                  <a:lumOff val="50000"/>
+                </a:schemeClr>
+              </a:solidFill>
+            </a:endParaRPr>
+          </a:p>
+        </p:txBody>
+      </p:sp>
+      <p:sp>
+        <p:nvSpPr>
+          <p:cNvPr id="3" name="Content Placeholder 2"/>
+          <p:cNvSpPr>
+            <a:spLocks noGrp="1"/>
+          </p:cNvSpPr>
+          <p:nvPr>
+            <p:ph idx="1"/>
+          </p:nvPr>
+        </p:nvSpPr>
+        <p:spPr/>
+        <p:txBody>
+          <a:bodyPr/>
+          <a:lstStyle/>
+          <a:p>
+            <a:r>
+              <a:rPr lang="fr-FR" dirty="0" err="1" smtClean="0"/>
+              <a:t>Lambdas</a:t>
+            </a:r>
+            <a:r>
+              <a:rPr lang="fr-FR" dirty="0" smtClean="0"/>
+              <a:t> et pattern « commande »</a:t>
+            </a:r>
+          </a:p>
+          <a:p>
+            <a:endParaRPr lang="fr-FR" dirty="0"/>
+          </a:p>
+        </p:txBody>
+      </p:sp>
+      <p:sp>
+        <p:nvSpPr>
+          <p:cNvPr id="4" name="Slide Number Placeholder 3"/>
+          <p:cNvSpPr>
+            <a:spLocks noGrp="1"/>
+          </p:cNvSpPr>
+          <p:nvPr>
+            <p:ph type="sldNum" sz="quarter" idx="12"/>
+          </p:nvPr>
+        </p:nvSpPr>
+        <p:spPr/>
+        <p:txBody>
+          <a:bodyPr/>
+          <a:lstStyle/>
+          <a:p>
+            <a:fld id="{1F97A879-0BB1-4454-9264-CAA9D1A8BE2F}" type="slidenum">
+              <a:rPr lang="fr-CH" smtClean="0"/>
+              <a:t>15</a:t>
+            </a:fld>
+            <a:endParaRPr lang="fr-CH"/>
+          </a:p>
+        </p:txBody>
+      </p:sp>
+    </p:spTree>
+    <p:extLst>
+      <p:ext uri="{BB962C8B-B14F-4D97-AF65-F5344CB8AC3E}">
+        <p14:creationId xmlns:p14="http://schemas.microsoft.com/office/powerpoint/2010/main" val="2450968291"/>
+      </p:ext>
+    </p:extLst>
+  </p:cSld>
+  <p:clrMapOvr>
+    <a:masterClrMapping/>
+  </p:clrMapOvr>
+  <p:timing>
+    <p:tnLst>
+      <p:par>
+        <p:cTn id="1" dur="indefinite" restart="never" nodeType="tmRoot"/>
+      </p:par>
+    </p:tnLst>
+  </p:timing>
+</p:sld>
+</file>
+
+<file path=ppt/slides/slide16.xml><?xml version="1.0" encoding="utf-8"?>
+<p:sld xmlns:a="http://schemas.openxmlformats.org/drawingml/2006/main" xmlns:r="http://schemas.openxmlformats.org/officeDocument/2006/relationships" xmlns:p="http://schemas.openxmlformats.org/presentationml/2006/main">
+  <p:cSld>
+    <p:spTree>
+      <p:nvGrpSpPr>
+        <p:cNvPr id="1" name=""/>
+        <p:cNvGrpSpPr/>
+        <p:nvPr/>
+      </p:nvGrpSpPr>
+      <p:grpSpPr>
+        <a:xfrm>
+          <a:off x="0" y="0"/>
+          <a:ext cx="0" cy="0"/>
+          <a:chOff x="0" y="0"/>
+          <a:chExt cx="0" cy="0"/>
+        </a:xfrm>
+      </p:grpSpPr>
+      <p:sp>
+        <p:nvSpPr>
           <p:cNvPr id="4" name="Title 3"/>
           <p:cNvSpPr>
             <a:spLocks noGrp="1"/>
@@ -3874,6 +4575,29 @@
               <a:t>Questions ?</a:t>
             </a:r>
             <a:endParaRPr lang="fr-FR" dirty="0"/>
+          </a:p>
+        </p:txBody>
+      </p:sp>
+      <p:sp>
+        <p:nvSpPr>
+          <p:cNvPr id="2" name="Slide Number Placeholder 1"/>
+          <p:cNvSpPr>
+            <a:spLocks noGrp="1"/>
+          </p:cNvSpPr>
+          <p:nvPr>
+            <p:ph type="sldNum" sz="quarter" idx="12"/>
+          </p:nvPr>
+        </p:nvSpPr>
+        <p:spPr/>
+        <p:txBody>
+          <a:bodyPr/>
+          <a:lstStyle/>
+          <a:p>
+            <a:fld id="{1F97A879-0BB1-4454-9264-CAA9D1A8BE2F}" type="slidenum">
+              <a:rPr lang="fr-CH" smtClean="0"/>
+              <a:t>16</a:t>
+            </a:fld>
+            <a:endParaRPr lang="fr-CH"/>
           </a:p>
         </p:txBody>
       </p:sp>
@@ -3979,6 +4703,29 @@
           </a:extLst>
         </p:spPr>
       </p:pic>
+      <p:sp>
+        <p:nvSpPr>
+          <p:cNvPr id="3" name="Slide Number Placeholder 2"/>
+          <p:cNvSpPr>
+            <a:spLocks noGrp="1"/>
+          </p:cNvSpPr>
+          <p:nvPr>
+            <p:ph type="sldNum" sz="quarter" idx="12"/>
+          </p:nvPr>
+        </p:nvSpPr>
+        <p:spPr/>
+        <p:txBody>
+          <a:bodyPr/>
+          <a:lstStyle/>
+          <a:p>
+            <a:fld id="{1F97A879-0BB1-4454-9264-CAA9D1A8BE2F}" type="slidenum">
+              <a:rPr lang="fr-CH" smtClean="0"/>
+              <a:t>2</a:t>
+            </a:fld>
+            <a:endParaRPr lang="fr-CH"/>
+          </a:p>
+        </p:txBody>
+      </p:sp>
     </p:spTree>
     <p:extLst>
       <p:ext uri="{BB962C8B-B14F-4D97-AF65-F5344CB8AC3E}">
@@ -4072,6 +4819,29 @@
           </a:effectLst>
         </p:spPr>
       </p:pic>
+      <p:sp>
+        <p:nvSpPr>
+          <p:cNvPr id="3" name="Slide Number Placeholder 2"/>
+          <p:cNvSpPr>
+            <a:spLocks noGrp="1"/>
+          </p:cNvSpPr>
+          <p:nvPr>
+            <p:ph type="sldNum" sz="quarter" idx="12"/>
+          </p:nvPr>
+        </p:nvSpPr>
+        <p:spPr/>
+        <p:txBody>
+          <a:bodyPr/>
+          <a:lstStyle/>
+          <a:p>
+            <a:fld id="{1F97A879-0BB1-4454-9264-CAA9D1A8BE2F}" type="slidenum">
+              <a:rPr lang="fr-CH" smtClean="0"/>
+              <a:t>3</a:t>
+            </a:fld>
+            <a:endParaRPr lang="fr-CH"/>
+          </a:p>
+        </p:txBody>
+      </p:sp>
     </p:spTree>
     <p:extLst>
       <p:ext uri="{BB962C8B-B14F-4D97-AF65-F5344CB8AC3E}">
@@ -4212,6 +4982,29 @@
           </a:p>
         </p:txBody>
       </p:sp>
+      <p:sp>
+        <p:nvSpPr>
+          <p:cNvPr id="3" name="Slide Number Placeholder 2"/>
+          <p:cNvSpPr>
+            <a:spLocks noGrp="1"/>
+          </p:cNvSpPr>
+          <p:nvPr>
+            <p:ph type="sldNum" sz="quarter" idx="12"/>
+          </p:nvPr>
+        </p:nvSpPr>
+        <p:spPr/>
+        <p:txBody>
+          <a:bodyPr/>
+          <a:lstStyle/>
+          <a:p>
+            <a:fld id="{1F97A879-0BB1-4454-9264-CAA9D1A8BE2F}" type="slidenum">
+              <a:rPr lang="fr-CH" smtClean="0"/>
+              <a:t>4</a:t>
+            </a:fld>
+            <a:endParaRPr lang="fr-CH"/>
+          </a:p>
+        </p:txBody>
+      </p:sp>
     </p:spTree>
     <p:extLst>
       <p:ext uri="{BB962C8B-B14F-4D97-AF65-F5344CB8AC3E}">
@@ -4358,6 +5151,29 @@
           <a:effectLst/>
         </p:spPr>
       </p:pic>
+      <p:sp>
+        <p:nvSpPr>
+          <p:cNvPr id="4" name="Slide Number Placeholder 3"/>
+          <p:cNvSpPr>
+            <a:spLocks noGrp="1"/>
+          </p:cNvSpPr>
+          <p:nvPr>
+            <p:ph type="sldNum" sz="quarter" idx="12"/>
+          </p:nvPr>
+        </p:nvSpPr>
+        <p:spPr/>
+        <p:txBody>
+          <a:bodyPr/>
+          <a:lstStyle/>
+          <a:p>
+            <a:fld id="{1F97A879-0BB1-4454-9264-CAA9D1A8BE2F}" type="slidenum">
+              <a:rPr lang="fr-CH" smtClean="0"/>
+              <a:t>5</a:t>
+            </a:fld>
+            <a:endParaRPr lang="fr-CH"/>
+          </a:p>
+        </p:txBody>
+      </p:sp>
     </p:spTree>
     <p:extLst>
       <p:ext uri="{BB962C8B-B14F-4D97-AF65-F5344CB8AC3E}">
@@ -4583,6 +5399,29 @@
           </a:prstGeom>
         </p:spPr>
       </p:pic>
+      <p:sp>
+        <p:nvSpPr>
+          <p:cNvPr id="4" name="Slide Number Placeholder 3"/>
+          <p:cNvSpPr>
+            <a:spLocks noGrp="1"/>
+          </p:cNvSpPr>
+          <p:nvPr>
+            <p:ph type="sldNum" sz="quarter" idx="12"/>
+          </p:nvPr>
+        </p:nvSpPr>
+        <p:spPr/>
+        <p:txBody>
+          <a:bodyPr/>
+          <a:lstStyle/>
+          <a:p>
+            <a:fld id="{1F97A879-0BB1-4454-9264-CAA9D1A8BE2F}" type="slidenum">
+              <a:rPr lang="fr-CH" smtClean="0"/>
+              <a:t>6</a:t>
+            </a:fld>
+            <a:endParaRPr lang="fr-CH"/>
+          </a:p>
+        </p:txBody>
+      </p:sp>
     </p:spTree>
     <p:extLst>
       <p:ext uri="{BB962C8B-B14F-4D97-AF65-F5344CB8AC3E}">
@@ -4728,6 +5567,29 @@
           </a:p>
         </p:txBody>
       </p:sp>
+      <p:sp>
+        <p:nvSpPr>
+          <p:cNvPr id="2" name="Slide Number Placeholder 1"/>
+          <p:cNvSpPr>
+            <a:spLocks noGrp="1"/>
+          </p:cNvSpPr>
+          <p:nvPr>
+            <p:ph type="sldNum" sz="quarter" idx="12"/>
+          </p:nvPr>
+        </p:nvSpPr>
+        <p:spPr/>
+        <p:txBody>
+          <a:bodyPr/>
+          <a:lstStyle/>
+          <a:p>
+            <a:fld id="{1F97A879-0BB1-4454-9264-CAA9D1A8BE2F}" type="slidenum">
+              <a:rPr lang="fr-CH" smtClean="0"/>
+              <a:t>7</a:t>
+            </a:fld>
+            <a:endParaRPr lang="fr-CH"/>
+          </a:p>
+        </p:txBody>
+      </p:sp>
     </p:spTree>
     <p:extLst>
       <p:ext uri="{BB962C8B-B14F-4D97-AF65-F5344CB8AC3E}">
@@ -4814,6 +5676,29 @@
           </a:prstGeom>
         </p:spPr>
       </p:pic>
+      <p:sp>
+        <p:nvSpPr>
+          <p:cNvPr id="3" name="Slide Number Placeholder 2"/>
+          <p:cNvSpPr>
+            <a:spLocks noGrp="1"/>
+          </p:cNvSpPr>
+          <p:nvPr>
+            <p:ph type="sldNum" sz="quarter" idx="12"/>
+          </p:nvPr>
+        </p:nvSpPr>
+        <p:spPr/>
+        <p:txBody>
+          <a:bodyPr/>
+          <a:lstStyle/>
+          <a:p>
+            <a:fld id="{1F97A879-0BB1-4454-9264-CAA9D1A8BE2F}" type="slidenum">
+              <a:rPr lang="fr-CH" smtClean="0"/>
+              <a:t>8</a:t>
+            </a:fld>
+            <a:endParaRPr lang="fr-CH"/>
+          </a:p>
+        </p:txBody>
+      </p:sp>
     </p:spTree>
     <p:extLst>
       <p:ext uri="{BB962C8B-B14F-4D97-AF65-F5344CB8AC3E}">
@@ -4900,6 +5785,29 @@
           </a:prstGeom>
         </p:spPr>
       </p:pic>
+      <p:sp>
+        <p:nvSpPr>
+          <p:cNvPr id="3" name="Slide Number Placeholder 2"/>
+          <p:cNvSpPr>
+            <a:spLocks noGrp="1"/>
+          </p:cNvSpPr>
+          <p:nvPr>
+            <p:ph type="sldNum" sz="quarter" idx="12"/>
+          </p:nvPr>
+        </p:nvSpPr>
+        <p:spPr/>
+        <p:txBody>
+          <a:bodyPr/>
+          <a:lstStyle/>
+          <a:p>
+            <a:fld id="{1F97A879-0BB1-4454-9264-CAA9D1A8BE2F}" type="slidenum">
+              <a:rPr lang="fr-CH" smtClean="0"/>
+              <a:t>9</a:t>
+            </a:fld>
+            <a:endParaRPr lang="fr-CH"/>
+          </a:p>
+        </p:txBody>
+      </p:sp>
     </p:spTree>
     <p:extLst>
       <p:ext uri="{BB962C8B-B14F-4D97-AF65-F5344CB8AC3E}">
@@ -5179,4 +6087,265 @@
     </a:ext>
   </a:extLst>
 </a:theme>
+</file>
+
+<file path=ppt/theme/theme2.xml><?xml version="1.0" encoding="utf-8"?>
+<a:theme xmlns:a="http://schemas.openxmlformats.org/drawingml/2006/main" name="Office Theme">
+  <a:themeElements>
+    <a:clrScheme name="Office">
+      <a:dk1>
+        <a:sysClr val="windowText" lastClr="000000"/>
+      </a:dk1>
+      <a:lt1>
+        <a:sysClr val="window" lastClr="FFFFFF"/>
+      </a:lt1>
+      <a:dk2>
+        <a:srgbClr val="44546A"/>
+      </a:dk2>
+      <a:lt2>
+        <a:srgbClr val="E7E6E6"/>
+      </a:lt2>
+      <a:accent1>
+        <a:srgbClr val="5B9BD5"/>
+      </a:accent1>
+      <a:accent2>
+        <a:srgbClr val="ED7D31"/>
+      </a:accent2>
+      <a:accent3>
+        <a:srgbClr val="A5A5A5"/>
+      </a:accent3>
+      <a:accent4>
+        <a:srgbClr val="FFC000"/>
+      </a:accent4>
+      <a:accent5>
+        <a:srgbClr val="4472C4"/>
+      </a:accent5>
+      <a:accent6>
+        <a:srgbClr val="70AD47"/>
+      </a:accent6>
+      <a:hlink>
+        <a:srgbClr val="0563C1"/>
+      </a:hlink>
+      <a:folHlink>
+        <a:srgbClr val="954F72"/>
+      </a:folHlink>
+    </a:clrScheme>
+    <a:fontScheme name="Office">
+      <a:majorFont>
+        <a:latin typeface="Calibri Light" panose="020F0302020204030204"/>
+        <a:ea typeface=""/>
+        <a:cs typeface=""/>
+        <a:font script="Jpan" typeface="ＭＳ Ｐゴシック"/>
+        <a:font script="Hang" typeface="맑은 고딕"/>
+        <a:font script="Hans" typeface="宋体"/>
+        <a:font script="Hant" typeface="新細明體"/>
+        <a:font script="Arab" typeface="Times New Roman"/>
+        <a:font script="Hebr" typeface="Times New Roman"/>
+        <a:font script="Thai" typeface="Angsana New"/>
+        <a:font script="Ethi" typeface="Nyala"/>
+        <a:font script="Beng" typeface="Vrinda"/>
+        <a:font script="Gujr" typeface="Shruti"/>
+        <a:font script="Khmr" typeface="MoolBoran"/>
+        <a:font script="Knda" typeface="Tunga"/>
+        <a:font script="Guru" typeface="Raavi"/>
+        <a:font script="Cans" typeface="Euphemia"/>
+        <a:font script="Cher" typeface="Plantagenet Cherokee"/>
+        <a:font script="Yiii" typeface="Microsoft Yi Baiti"/>
+        <a:font script="Tibt" typeface="Microsoft Himalaya"/>
+        <a:font script="Thaa" typeface="MV Boli"/>
+        <a:font script="Deva" typeface="Mangal"/>
+        <a:font script="Telu" typeface="Gautami"/>
+        <a:font script="Taml" typeface="Latha"/>
+        <a:font script="Syrc" typeface="Estrangelo Edessa"/>
+        <a:font script="Orya" typeface="Kalinga"/>
+        <a:font script="Mlym" typeface="Kartika"/>
+        <a:font script="Laoo" typeface="DokChampa"/>
+        <a:font script="Sinh" typeface="Iskoola Pota"/>
+        <a:font script="Mong" typeface="Mongolian Baiti"/>
+        <a:font script="Viet" typeface="Times New Roman"/>
+        <a:font script="Uigh" typeface="Microsoft Uighur"/>
+        <a:font script="Geor" typeface="Sylfaen"/>
+      </a:majorFont>
+      <a:minorFont>
+        <a:latin typeface="Calibri" panose="020F0502020204030204"/>
+        <a:ea typeface=""/>
+        <a:cs typeface=""/>
+        <a:font script="Jpan" typeface="ＭＳ Ｐゴシック"/>
+        <a:font script="Hang" typeface="맑은 고딕"/>
+        <a:font script="Hans" typeface="宋体"/>
+        <a:font script="Hant" typeface="新細明體"/>
+        <a:font script="Arab" typeface="Arial"/>
+        <a:font script="Hebr" typeface="Arial"/>
+        <a:font script="Thai" typeface="Cordia New"/>
+        <a:font script="Ethi" typeface="Nyala"/>
+        <a:font script="Beng" typeface="Vrinda"/>
+        <a:font script="Gujr" typeface="Shruti"/>
+        <a:font script="Khmr" typeface="DaunPenh"/>
+        <a:font script="Knda" typeface="Tunga"/>
+        <a:font script="Guru" typeface="Raavi"/>
+        <a:font script="Cans" typeface="Euphemia"/>
+        <a:font script="Cher" typeface="Plantagenet Cherokee"/>
+        <a:font script="Yiii" typeface="Microsoft Yi Baiti"/>
+        <a:font script="Tibt" typeface="Microsoft Himalaya"/>
+        <a:font script="Thaa" typeface="MV Boli"/>
+        <a:font script="Deva" typeface="Mangal"/>
+        <a:font script="Telu" typeface="Gautami"/>
+        <a:font script="Taml" typeface="Latha"/>
+        <a:font script="Syrc" typeface="Estrangelo Edessa"/>
+        <a:font script="Orya" typeface="Kalinga"/>
+        <a:font script="Mlym" typeface="Kartika"/>
+        <a:font script="Laoo" typeface="DokChampa"/>
+        <a:font script="Sinh" typeface="Iskoola Pota"/>
+        <a:font script="Mong" typeface="Mongolian Baiti"/>
+        <a:font script="Viet" typeface="Arial"/>
+        <a:font script="Uigh" typeface="Microsoft Uighur"/>
+        <a:font script="Geor" typeface="Sylfaen"/>
+      </a:minorFont>
+    </a:fontScheme>
+    <a:fmtScheme name="Office">
+      <a:fillStyleLst>
+        <a:solidFill>
+          <a:schemeClr val="phClr"/>
+        </a:solidFill>
+        <a:gradFill rotWithShape="1">
+          <a:gsLst>
+            <a:gs pos="0">
+              <a:schemeClr val="phClr">
+                <a:lumMod val="110000"/>
+                <a:satMod val="105000"/>
+                <a:tint val="67000"/>
+              </a:schemeClr>
+            </a:gs>
+            <a:gs pos="50000">
+              <a:schemeClr val="phClr">
+                <a:lumMod val="105000"/>
+                <a:satMod val="103000"/>
+                <a:tint val="73000"/>
+              </a:schemeClr>
+            </a:gs>
+            <a:gs pos="100000">
+              <a:schemeClr val="phClr">
+                <a:lumMod val="105000"/>
+                <a:satMod val="109000"/>
+                <a:tint val="81000"/>
+              </a:schemeClr>
+            </a:gs>
+          </a:gsLst>
+          <a:lin ang="5400000" scaled="0"/>
+        </a:gradFill>
+        <a:gradFill rotWithShape="1">
+          <a:gsLst>
+            <a:gs pos="0">
+              <a:schemeClr val="phClr">
+                <a:satMod val="103000"/>
+                <a:lumMod val="102000"/>
+                <a:tint val="94000"/>
+              </a:schemeClr>
+            </a:gs>
+            <a:gs pos="50000">
+              <a:schemeClr val="phClr">
+                <a:satMod val="110000"/>
+                <a:lumMod val="100000"/>
+                <a:shade val="100000"/>
+              </a:schemeClr>
+            </a:gs>
+            <a:gs pos="100000">
+              <a:schemeClr val="phClr">
+                <a:lumMod val="99000"/>
+                <a:satMod val="120000"/>
+                <a:shade val="78000"/>
+              </a:schemeClr>
+            </a:gs>
+          </a:gsLst>
+          <a:lin ang="5400000" scaled="0"/>
+        </a:gradFill>
+      </a:fillStyleLst>
+      <a:lnStyleLst>
+        <a:ln w="6350" cap="flat" cmpd="sng" algn="ctr">
+          <a:solidFill>
+            <a:schemeClr val="phClr"/>
+          </a:solidFill>
+          <a:prstDash val="solid"/>
+          <a:miter lim="800000"/>
+        </a:ln>
+        <a:ln w="12700" cap="flat" cmpd="sng" algn="ctr">
+          <a:solidFill>
+            <a:schemeClr val="phClr"/>
+          </a:solidFill>
+          <a:prstDash val="solid"/>
+          <a:miter lim="800000"/>
+        </a:ln>
+        <a:ln w="19050" cap="flat" cmpd="sng" algn="ctr">
+          <a:solidFill>
+            <a:schemeClr val="phClr"/>
+          </a:solidFill>
+          <a:prstDash val="solid"/>
+          <a:miter lim="800000"/>
+        </a:ln>
+      </a:lnStyleLst>
+      <a:effectStyleLst>
+        <a:effectStyle>
+          <a:effectLst/>
+        </a:effectStyle>
+        <a:effectStyle>
+          <a:effectLst/>
+        </a:effectStyle>
+        <a:effectStyle>
+          <a:effectLst>
+            <a:outerShdw blurRad="57150" dist="19050" dir="5400000" algn="ctr" rotWithShape="0">
+              <a:srgbClr val="000000">
+                <a:alpha val="63000"/>
+              </a:srgbClr>
+            </a:outerShdw>
+          </a:effectLst>
+        </a:effectStyle>
+      </a:effectStyleLst>
+      <a:bgFillStyleLst>
+        <a:solidFill>
+          <a:schemeClr val="phClr"/>
+        </a:solidFill>
+        <a:solidFill>
+          <a:schemeClr val="phClr">
+            <a:tint val="95000"/>
+            <a:satMod val="170000"/>
+          </a:schemeClr>
+        </a:solidFill>
+        <a:gradFill rotWithShape="1">
+          <a:gsLst>
+            <a:gs pos="0">
+              <a:schemeClr val="phClr">
+                <a:tint val="93000"/>
+                <a:satMod val="150000"/>
+                <a:shade val="98000"/>
+                <a:lumMod val="102000"/>
+              </a:schemeClr>
+            </a:gs>
+            <a:gs pos="50000">
+              <a:schemeClr val="phClr">
+                <a:tint val="98000"/>
+                <a:satMod val="130000"/>
+                <a:shade val="90000"/>
+                <a:lumMod val="103000"/>
+              </a:schemeClr>
+            </a:gs>
+            <a:gs pos="100000">
+              <a:schemeClr val="phClr">
+                <a:shade val="63000"/>
+                <a:satMod val="120000"/>
+              </a:schemeClr>
+            </a:gs>
+          </a:gsLst>
+          <a:lin ang="5400000" scaled="0"/>
+        </a:gradFill>
+      </a:bgFillStyleLst>
+    </a:fmtScheme>
+  </a:themeElements>
+  <a:objectDefaults/>
+  <a:extraClrSchemeLst/>
+  <a:extLst>
+    <a:ext uri="{05A4C25C-085E-4340-85A3-A5531E510DB2}">
+      <thm15:themeFamily xmlns:thm15="http://schemas.microsoft.com/office/thememl/2012/main" name="Office Theme" id="{62F939B6-93AF-4DB8-9C6B-D6C7DFDC589F}" vid="{4A3C46E8-61CC-4603-A589-7422A47A8E4A}"/>
+    </a:ext>
+  </a:extLst>
+</a:theme>
 </file>
--- a/presentation/Sokonet.pptx
+++ b/presentation/Sokonet.pptx
@@ -4477,13 +4477,46 @@
           <a:lstStyle/>
           <a:p>
             <a:r>
+              <a:rPr lang="fr-FR" dirty="0"/>
+              <a:t>Abstraction du </a:t>
+            </a:r>
+            <a:r>
+              <a:rPr lang="fr-FR" dirty="0" smtClean="0"/>
+              <a:t>traitement</a:t>
+            </a:r>
+            <a:endParaRPr lang="fr-FR" dirty="0" smtClean="0"/>
+          </a:p>
+          <a:p>
+            <a:r>
               <a:rPr lang="fr-FR" dirty="0" err="1" smtClean="0"/>
               <a:t>Lambdas</a:t>
             </a:r>
             <a:r>
               <a:rPr lang="fr-FR" dirty="0" smtClean="0"/>
-              <a:t> et pattern « commande »</a:t>
-            </a:r>
+              <a:t> </a:t>
+            </a:r>
+            <a:r>
+              <a:rPr lang="fr-FR" dirty="0" smtClean="0"/>
+              <a:t>et pattern « commande </a:t>
+            </a:r>
+            <a:r>
+              <a:rPr lang="fr-FR" dirty="0" smtClean="0"/>
+              <a:t>»</a:t>
+            </a:r>
+          </a:p>
+          <a:p>
+            <a:r>
+              <a:rPr lang="fr-FR" smtClean="0"/>
+              <a:t>Telnet</a:t>
+            </a:r>
+            <a:endParaRPr lang="fr-FR" dirty="0" smtClean="0"/>
+          </a:p>
+          <a:p>
+            <a:r>
+              <a:rPr lang="fr-FR" dirty="0" err="1" smtClean="0"/>
+              <a:t>Demo</a:t>
+            </a:r>
+            <a:endParaRPr lang="fr-FR" dirty="0" smtClean="0"/>
           </a:p>
           <a:p>
             <a:endParaRPr lang="fr-FR" dirty="0"/>
@@ -4902,7 +4935,7 @@
           <a:lstStyle/>
           <a:p>
             <a:r>
-              <a:rPr lang="fr-FR" sz="3200" dirty="0">
+              <a:rPr lang="fr-FR" sz="3200" dirty="0" smtClean="0">
                 <a:solidFill>
                   <a:schemeClr val="tx1">
                     <a:lumMod val="50000"/>
@@ -4914,34 +4947,34 @@
               <a:t>$&gt;</a:t>
             </a:r>
             <a:r>
+              <a:rPr lang="fr-FR" sz="3200" dirty="0" smtClean="0">
+                <a:latin typeface="Consolas" panose="020B0609020204030204" pitchFamily="49" charset="0"/>
+              </a:rPr>
+              <a:t> </a:t>
+            </a:r>
+            <a:r>
+              <a:rPr lang="fr-FR" sz="3200" dirty="0" err="1">
+                <a:latin typeface="Consolas" panose="020B0609020204030204" pitchFamily="49" charset="0"/>
+              </a:rPr>
+              <a:t>telnet</a:t>
+            </a:r>
+            <a:r>
               <a:rPr lang="fr-FR" sz="3200" dirty="0">
                 <a:latin typeface="Consolas" panose="020B0609020204030204" pitchFamily="49" charset="0"/>
               </a:rPr>
               <a:t> </a:t>
             </a:r>
             <a:r>
-              <a:rPr lang="fr-FR" sz="3200" dirty="0" err="1">
-                <a:latin typeface="Consolas" panose="020B0609020204030204" pitchFamily="49" charset="0"/>
-              </a:rPr>
-              <a:t>telnet</a:t>
-            </a:r>
-            <a:r>
-              <a:rPr lang="fr-FR" sz="3200" dirty="0">
-                <a:latin typeface="Consolas" panose="020B0609020204030204" pitchFamily="49" charset="0"/>
-              </a:rPr>
-              <a:t> </a:t>
-            </a:r>
-            <a:r>
-              <a:rPr lang="fr-FR" sz="3200" dirty="0">
+              <a:rPr lang="fr-FR" sz="3200" dirty="0" smtClean="0">
                 <a:solidFill>
                   <a:schemeClr val="accent5"/>
                 </a:solidFill>
                 <a:latin typeface="Consolas" panose="020B0609020204030204" pitchFamily="49" charset="0"/>
               </a:rPr>
-              <a:t>10.192.XX.XXX</a:t>
-            </a:r>
-            <a:r>
-              <a:rPr lang="fr-FR" sz="3200" dirty="0">
+              <a:t>10.192.91.190</a:t>
+            </a:r>
+            <a:r>
+              <a:rPr lang="fr-FR" sz="3200" dirty="0" smtClean="0">
                 <a:latin typeface="Consolas" panose="020B0609020204030204" pitchFamily="49" charset="0"/>
               </a:rPr>
               <a:t> </a:t>
@@ -5002,6 +5035,64 @@
               <a:t>4</a:t>
             </a:fld>
             <a:endParaRPr lang="fr-CH"/>
+          </a:p>
+        </p:txBody>
+      </p:sp>
+      <p:sp>
+        <p:nvSpPr>
+          <p:cNvPr id="4" name="TextBox 3"/>
+          <p:cNvSpPr txBox="1"/>
+          <p:nvPr/>
+        </p:nvSpPr>
+        <p:spPr>
+          <a:xfrm>
+            <a:off x="1216324" y="5408762"/>
+            <a:ext cx="4652620" cy="369332"/>
+          </a:xfrm>
+          <a:prstGeom prst="rect">
+            <a:avLst/>
+          </a:prstGeom>
+          <a:noFill/>
+        </p:spPr>
+        <p:txBody>
+          <a:bodyPr wrap="none" rtlCol="0">
+            <a:spAutoFit/>
+          </a:bodyPr>
+          <a:lstStyle/>
+          <a:p>
+            <a:r>
+              <a:rPr lang="fr-FR" dirty="0" err="1" smtClean="0"/>
+              <a:t>Please</a:t>
+            </a:r>
+            <a:r>
+              <a:rPr lang="fr-FR" dirty="0" smtClean="0"/>
+              <a:t> </a:t>
+            </a:r>
+            <a:r>
+              <a:rPr lang="fr-FR" dirty="0" err="1" smtClean="0"/>
+              <a:t>don’t</a:t>
+            </a:r>
+            <a:r>
+              <a:rPr lang="fr-FR" dirty="0" smtClean="0"/>
+              <a:t> report bugs </a:t>
+            </a:r>
+            <a:r>
+              <a:rPr lang="fr-FR" dirty="0" err="1" smtClean="0"/>
+              <a:t>until</a:t>
+            </a:r>
+            <a:r>
+              <a:rPr lang="fr-FR" dirty="0" smtClean="0"/>
+              <a:t> end of </a:t>
+            </a:r>
+            <a:r>
+              <a:rPr lang="fr-FR" dirty="0" err="1" smtClean="0"/>
+              <a:t>slideshow</a:t>
+            </a:r>
+            <a:r>
+              <a:rPr lang="fr-FR" dirty="0" smtClean="0"/>
+              <a:t> </a:t>
+            </a:r>
+            <a:endParaRPr lang="fr-FR" dirty="0"/>
           </a:p>
         </p:txBody>
       </p:sp>

--- a/presentation/Sokonet.pptx
+++ b/presentation/Sokonet.pptx
@@ -130,6 +130,18 @@
 </p:presentation>
 </file>
 
+<file path=ppt/commentAuthors.xml><?xml version="1.0" encoding="utf-8"?>
+<p:cmAuthorLst xmlns:a="http://schemas.openxmlformats.org/drawingml/2006/main" xmlns:r="http://schemas.openxmlformats.org/officeDocument/2006/relationships" xmlns:p="http://schemas.openxmlformats.org/presentationml/2006/main">
+  <p:cmAuthor id="1" name="Christopher Browne" initials="CB" lastIdx="1" clrIdx="0">
+    <p:extLst>
+      <p:ext uri="{19B8F6BF-5375-455C-9EA6-DF929625EA0E}">
+        <p15:presenceInfo xmlns:p15="http://schemas.microsoft.com/office/powerpoint/2012/main" userId="b05ec2af4c0709da" providerId="Windows Live"/>
+      </p:ext>
+    </p:extLst>
+  </p:cmAuthor>
+</p:cmAuthorLst>
+</file>
+
 <file path=ppt/notesMasters/notesMaster1.xml><?xml version="1.0" encoding="utf-8"?>
 <p:notesMaster xmlns:a="http://schemas.openxmlformats.org/drawingml/2006/main" xmlns:r="http://schemas.openxmlformats.org/officeDocument/2006/relationships" xmlns:p="http://schemas.openxmlformats.org/presentationml/2006/main">
   <p:cSld>
@@ -555,6 +567,94 @@
     <p:extLst>
       <p:ext uri="{BB962C8B-B14F-4D97-AF65-F5344CB8AC3E}">
         <p14:creationId xmlns:p14="http://schemas.microsoft.com/office/powerpoint/2010/main" val="941034053"/>
+      </p:ext>
+    </p:extLst>
+  </p:cSld>
+  <p:clrMapOvr>
+    <a:masterClrMapping/>
+  </p:clrMapOvr>
+</p:notes>
+</file>
+
+<file path=ppt/notesSlides/notesSlide2.xml><?xml version="1.0" encoding="utf-8"?>
+<p:notes xmlns:a="http://schemas.openxmlformats.org/drawingml/2006/main" xmlns:r="http://schemas.openxmlformats.org/officeDocument/2006/relationships" xmlns:p="http://schemas.openxmlformats.org/presentationml/2006/main">
+  <p:cSld>
+    <p:spTree>
+      <p:nvGrpSpPr>
+        <p:cNvPr id="1" name=""/>
+        <p:cNvGrpSpPr/>
+        <p:nvPr/>
+      </p:nvGrpSpPr>
+      <p:grpSpPr>
+        <a:xfrm>
+          <a:off x="0" y="0"/>
+          <a:ext cx="0" cy="0"/>
+          <a:chOff x="0" y="0"/>
+          <a:chExt cx="0" cy="0"/>
+        </a:xfrm>
+      </p:grpSpPr>
+      <p:sp>
+        <p:nvSpPr>
+          <p:cNvPr id="2" name="Slide Image Placeholder 1"/>
+          <p:cNvSpPr>
+            <a:spLocks noGrp="1" noRot="1" noChangeAspect="1"/>
+          </p:cNvSpPr>
+          <p:nvPr>
+            <p:ph type="sldImg"/>
+          </p:nvPr>
+        </p:nvSpPr>
+        <p:spPr/>
+      </p:sp>
+      <p:sp>
+        <p:nvSpPr>
+          <p:cNvPr id="3" name="Notes Placeholder 2"/>
+          <p:cNvSpPr>
+            <a:spLocks noGrp="1"/>
+          </p:cNvSpPr>
+          <p:nvPr>
+            <p:ph type="body" idx="1"/>
+          </p:nvPr>
+        </p:nvSpPr>
+        <p:spPr/>
+        <p:txBody>
+          <a:bodyPr/>
+          <a:lstStyle/>
+          <a:p>
+            <a:r>
+              <a:rPr lang="fr-FR" dirty="0" smtClean="0"/>
+              <a:t>Macro -&gt; Composite</a:t>
+            </a:r>
+            <a:endParaRPr lang="fr-FR" dirty="0"/>
+          </a:p>
+        </p:txBody>
+      </p:sp>
+      <p:sp>
+        <p:nvSpPr>
+          <p:cNvPr id="4" name="Slide Number Placeholder 3"/>
+          <p:cNvSpPr>
+            <a:spLocks noGrp="1"/>
+          </p:cNvSpPr>
+          <p:nvPr>
+            <p:ph type="sldNum" sz="quarter" idx="10"/>
+          </p:nvPr>
+        </p:nvSpPr>
+        <p:spPr/>
+        <p:txBody>
+          <a:bodyPr/>
+          <a:lstStyle/>
+          <a:p>
+            <a:fld id="{2A8083D5-DE23-4A00-8EE9-F3D32EC15556}" type="slidenum">
+              <a:rPr lang="fr-FR" smtClean="0"/>
+              <a:t>11</a:t>
+            </a:fld>
+            <a:endParaRPr lang="fr-FR"/>
+          </a:p>
+        </p:txBody>
+      </p:sp>
+    </p:spTree>
+    <p:extLst>
+      <p:ext uri="{BB962C8B-B14F-4D97-AF65-F5344CB8AC3E}">
+        <p14:creationId xmlns:p14="http://schemas.microsoft.com/office/powerpoint/2010/main" val="2206404771"/>
       </p:ext>
     </p:extLst>
   </p:cSld>
@@ -4484,7 +4584,6 @@
               <a:rPr lang="fr-FR" dirty="0" smtClean="0"/>
               <a:t>traitement</a:t>
             </a:r>
-            <a:endParaRPr lang="fr-FR" dirty="0" smtClean="0"/>
           </a:p>
           <a:p>
             <a:r>
@@ -4493,15 +4592,7 @@
             </a:r>
             <a:r>
               <a:rPr lang="fr-FR" dirty="0" smtClean="0"/>
-              <a:t> </a:t>
-            </a:r>
-            <a:r>
-              <a:rPr lang="fr-FR" dirty="0" smtClean="0"/>
-              <a:t>et pattern « commande </a:t>
-            </a:r>
-            <a:r>
-              <a:rPr lang="fr-FR" dirty="0" smtClean="0"/>
-              <a:t>»</a:t>
+              <a:t> et pattern « commande »</a:t>
             </a:r>
           </a:p>
           <a:p>
@@ -4830,15 +4921,21 @@
           </p:nvPr>
         </p:nvPicPr>
         <p:blipFill>
-          <a:blip r:embed="rId2"/>
+          <a:blip r:embed="rId2">
+            <a:extLst>
+              <a:ext uri="{28A0092B-C50C-407E-A947-70E740481C1C}">
+                <a14:useLocalDpi xmlns:a14="http://schemas.microsoft.com/office/drawing/2010/main" val="0"/>
+              </a:ext>
+            </a:extLst>
+          </a:blip>
           <a:stretch>
             <a:fillRect/>
           </a:stretch>
         </p:blipFill>
         <p:spPr>
           <a:xfrm>
-            <a:off x="2144819" y="2580041"/>
-            <a:ext cx="4854361" cy="2842506"/>
+            <a:off x="1595122" y="1836420"/>
+            <a:ext cx="5953755" cy="4172867"/>
           </a:xfrm>
           <a:prstGeom prst="rect">
             <a:avLst/>

--- a/presentation/Sokonet.pptx
+++ b/presentation/Sokonet.pptx
@@ -5,25 +5,26 @@
     <p:sldMasterId id="2147483756" r:id="rId1"/>
   </p:sldMasterIdLst>
   <p:notesMasterIdLst>
-    <p:notesMasterId r:id="rId18"/>
+    <p:notesMasterId r:id="rId19"/>
   </p:notesMasterIdLst>
   <p:sldIdLst>
     <p:sldId id="256" r:id="rId2"/>
-    <p:sldId id="257" r:id="rId3"/>
-    <p:sldId id="258" r:id="rId4"/>
-    <p:sldId id="259" r:id="rId5"/>
-    <p:sldId id="260" r:id="rId6"/>
-    <p:sldId id="261" r:id="rId7"/>
-    <p:sldId id="262" r:id="rId8"/>
-    <p:sldId id="264" r:id="rId9"/>
-    <p:sldId id="267" r:id="rId10"/>
-    <p:sldId id="265" r:id="rId11"/>
-    <p:sldId id="273" r:id="rId12"/>
-    <p:sldId id="269" r:id="rId13"/>
-    <p:sldId id="270" r:id="rId14"/>
-    <p:sldId id="271" r:id="rId15"/>
-    <p:sldId id="274" r:id="rId16"/>
-    <p:sldId id="272" r:id="rId17"/>
+    <p:sldId id="275" r:id="rId3"/>
+    <p:sldId id="257" r:id="rId4"/>
+    <p:sldId id="258" r:id="rId5"/>
+    <p:sldId id="259" r:id="rId6"/>
+    <p:sldId id="260" r:id="rId7"/>
+    <p:sldId id="261" r:id="rId8"/>
+    <p:sldId id="262" r:id="rId9"/>
+    <p:sldId id="264" r:id="rId10"/>
+    <p:sldId id="267" r:id="rId11"/>
+    <p:sldId id="265" r:id="rId12"/>
+    <p:sldId id="273" r:id="rId13"/>
+    <p:sldId id="269" r:id="rId14"/>
+    <p:sldId id="270" r:id="rId15"/>
+    <p:sldId id="271" r:id="rId16"/>
+    <p:sldId id="274" r:id="rId17"/>
+    <p:sldId id="272" r:id="rId18"/>
   </p:sldIdLst>
   <p:sldSz cx="9144000" cy="6858000" type="screen4x3"/>
   <p:notesSz cx="6858000" cy="9144000"/>
@@ -383,7 +384,7 @@
           <a:p>
             <a:fld id="{2A8083D5-DE23-4A00-8EE9-F3D32EC15556}" type="slidenum">
               <a:rPr lang="fr-FR" smtClean="0"/>
-              <a:t>‹#›</a:t>
+              <a:t>‹N°›</a:t>
             </a:fld>
             <a:endParaRPr lang="fr-FR"/>
           </a:p>
@@ -645,7 +646,7 @@
           <a:p>
             <a:fld id="{2A8083D5-DE23-4A00-8EE9-F3D32EC15556}" type="slidenum">
               <a:rPr lang="fr-FR" smtClean="0"/>
-              <a:t>11</a:t>
+              <a:t>12</a:t>
             </a:fld>
             <a:endParaRPr lang="fr-FR"/>
           </a:p>
@@ -837,7 +838,7 @@
           <a:p>
             <a:fld id="{1F97A879-0BB1-4454-9264-CAA9D1A8BE2F}" type="slidenum">
               <a:rPr lang="fr-CH" smtClean="0"/>
-              <a:t>‹#›</a:t>
+              <a:t>‹N°›</a:t>
             </a:fld>
             <a:endParaRPr lang="fr-CH"/>
           </a:p>
@@ -1007,7 +1008,7 @@
           <a:p>
             <a:fld id="{1F97A879-0BB1-4454-9264-CAA9D1A8BE2F}" type="slidenum">
               <a:rPr lang="fr-CH" smtClean="0"/>
-              <a:t>‹#›</a:t>
+              <a:t>‹N°›</a:t>
             </a:fld>
             <a:endParaRPr lang="fr-CH"/>
           </a:p>
@@ -1187,7 +1188,7 @@
           <a:p>
             <a:fld id="{1F97A879-0BB1-4454-9264-CAA9D1A8BE2F}" type="slidenum">
               <a:rPr lang="fr-CH" smtClean="0"/>
-              <a:t>‹#›</a:t>
+              <a:t>‹N°›</a:t>
             </a:fld>
             <a:endParaRPr lang="fr-CH"/>
           </a:p>
@@ -1357,7 +1358,7 @@
           <a:p>
             <a:fld id="{1F97A879-0BB1-4454-9264-CAA9D1A8BE2F}" type="slidenum">
               <a:rPr lang="fr-CH" smtClean="0"/>
-              <a:t>‹#›</a:t>
+              <a:t>‹N°›</a:t>
             </a:fld>
             <a:endParaRPr lang="fr-CH"/>
           </a:p>
@@ -1601,7 +1602,7 @@
           <a:p>
             <a:fld id="{1F97A879-0BB1-4454-9264-CAA9D1A8BE2F}" type="slidenum">
               <a:rPr lang="fr-CH" smtClean="0"/>
-              <a:t>‹#›</a:t>
+              <a:t>‹N°›</a:t>
             </a:fld>
             <a:endParaRPr lang="fr-CH"/>
           </a:p>
@@ -1833,7 +1834,7 @@
           <a:p>
             <a:fld id="{1F97A879-0BB1-4454-9264-CAA9D1A8BE2F}" type="slidenum">
               <a:rPr lang="fr-CH" smtClean="0"/>
-              <a:t>‹#›</a:t>
+              <a:t>‹N°›</a:t>
             </a:fld>
             <a:endParaRPr lang="fr-CH"/>
           </a:p>
@@ -2207,7 +2208,7 @@
           <a:p>
             <a:fld id="{1F97A879-0BB1-4454-9264-CAA9D1A8BE2F}" type="slidenum">
               <a:rPr lang="fr-CH" smtClean="0"/>
-              <a:t>‹#›</a:t>
+              <a:t>‹N°›</a:t>
             </a:fld>
             <a:endParaRPr lang="fr-CH"/>
           </a:p>
@@ -2325,7 +2326,7 @@
           <a:p>
             <a:fld id="{1F97A879-0BB1-4454-9264-CAA9D1A8BE2F}" type="slidenum">
               <a:rPr lang="fr-CH" smtClean="0"/>
-              <a:t>‹#›</a:t>
+              <a:t>‹N°›</a:t>
             </a:fld>
             <a:endParaRPr lang="fr-CH"/>
           </a:p>
@@ -2420,7 +2421,7 @@
           <a:p>
             <a:fld id="{1F97A879-0BB1-4454-9264-CAA9D1A8BE2F}" type="slidenum">
               <a:rPr lang="fr-CH" smtClean="0"/>
-              <a:t>‹#›</a:t>
+              <a:t>‹N°›</a:t>
             </a:fld>
             <a:endParaRPr lang="fr-CH"/>
           </a:p>
@@ -2697,7 +2698,7 @@
           <a:p>
             <a:fld id="{1F97A879-0BB1-4454-9264-CAA9D1A8BE2F}" type="slidenum">
               <a:rPr lang="fr-CH" smtClean="0"/>
-              <a:t>‹#›</a:t>
+              <a:t>‹N°›</a:t>
             </a:fld>
             <a:endParaRPr lang="fr-CH"/>
           </a:p>
@@ -2954,7 +2955,7 @@
           <a:p>
             <a:fld id="{1F97A879-0BB1-4454-9264-CAA9D1A8BE2F}" type="slidenum">
               <a:rPr lang="fr-CH" smtClean="0"/>
-              <a:t>‹#›</a:t>
+              <a:t>‹N°›</a:t>
             </a:fld>
             <a:endParaRPr lang="fr-CH"/>
           </a:p>
@@ -3203,7 +3204,7 @@
           <a:p>
             <a:fld id="{1F97A879-0BB1-4454-9264-CAA9D1A8BE2F}" type="slidenum">
               <a:rPr lang="fr-CH" smtClean="0"/>
-              <a:t>‹#›</a:t>
+              <a:t>‹N°›</a:t>
             </a:fld>
             <a:endParaRPr lang="fr-CH"/>
           </a:p>
@@ -3578,7 +3579,11 @@
           <a:p>
             <a:r>
               <a:rPr lang="fr-FR" dirty="0" smtClean="0"/>
-              <a:t>Pattern « Commande »</a:t>
+              <a:t>Modèle «</a:t>
+            </a:r>
+            <a:r>
+              <a:rPr lang="fr-FR" dirty="0" smtClean="0"/>
+              <a:t> Commande »</a:t>
             </a:r>
             <a:endParaRPr lang="fr-FR" dirty="0"/>
           </a:p>
@@ -3696,6 +3701,115 @@
 </file>
 
 <file path=ppt/slides/slide10.xml><?xml version="1.0" encoding="utf-8"?>
+<p:sld xmlns:a="http://schemas.openxmlformats.org/drawingml/2006/main" xmlns:r="http://schemas.openxmlformats.org/officeDocument/2006/relationships" xmlns:p="http://schemas.openxmlformats.org/presentationml/2006/main">
+  <p:cSld>
+    <p:spTree>
+      <p:nvGrpSpPr>
+        <p:cNvPr id="1" name=""/>
+        <p:cNvGrpSpPr/>
+        <p:nvPr/>
+      </p:nvGrpSpPr>
+      <p:grpSpPr>
+        <a:xfrm>
+          <a:off x="0" y="0"/>
+          <a:ext cx="0" cy="0"/>
+          <a:chOff x="0" y="0"/>
+          <a:chExt cx="0" cy="0"/>
+        </a:xfrm>
+      </p:grpSpPr>
+      <p:sp>
+        <p:nvSpPr>
+          <p:cNvPr id="2" name="Title 1"/>
+          <p:cNvSpPr>
+            <a:spLocks noGrp="1"/>
+          </p:cNvSpPr>
+          <p:nvPr>
+            <p:ph type="title"/>
+          </p:nvPr>
+        </p:nvSpPr>
+        <p:spPr/>
+        <p:txBody>
+          <a:bodyPr/>
+          <a:lstStyle/>
+          <a:p>
+            <a:r>
+              <a:rPr lang="fr-FR" dirty="0" smtClean="0"/>
+              <a:t>Keys</a:t>
+            </a:r>
+            <a:endParaRPr lang="fr-FR" dirty="0"/>
+          </a:p>
+        </p:txBody>
+      </p:sp>
+      <p:pic>
+        <p:nvPicPr>
+          <p:cNvPr id="4" name="Content Placeholder 3"/>
+          <p:cNvPicPr>
+            <a:picLocks noGrp="1" noChangeAspect="1"/>
+          </p:cNvPicPr>
+          <p:nvPr>
+            <p:ph idx="1"/>
+          </p:nvPr>
+        </p:nvPicPr>
+        <p:blipFill>
+          <a:blip r:embed="rId2"/>
+          <a:stretch>
+            <a:fillRect/>
+          </a:stretch>
+        </p:blipFill>
+        <p:spPr>
+          <a:xfrm>
+            <a:off x="1372144" y="1690689"/>
+            <a:ext cx="6399712" cy="3850377"/>
+          </a:xfrm>
+          <a:prstGeom prst="rect">
+            <a:avLst/>
+          </a:prstGeom>
+        </p:spPr>
+      </p:pic>
+      <p:sp>
+        <p:nvSpPr>
+          <p:cNvPr id="3" name="Slide Number Placeholder 2"/>
+          <p:cNvSpPr>
+            <a:spLocks noGrp="1"/>
+          </p:cNvSpPr>
+          <p:nvPr>
+            <p:ph type="sldNum" sz="quarter" idx="12"/>
+          </p:nvPr>
+        </p:nvSpPr>
+        <p:spPr/>
+        <p:txBody>
+          <a:bodyPr/>
+          <a:lstStyle/>
+          <a:p>
+            <a:fld id="{1F97A879-0BB1-4454-9264-CAA9D1A8BE2F}" type="slidenum">
+              <a:rPr lang="fr-CH" smtClean="0"/>
+              <a:t>10</a:t>
+            </a:fld>
+            <a:endParaRPr lang="fr-CH"/>
+          </a:p>
+        </p:txBody>
+      </p:sp>
+    </p:spTree>
+    <p:extLst>
+      <p:ext uri="{BB962C8B-B14F-4D97-AF65-F5344CB8AC3E}">
+        <p14:creationId xmlns:p14="http://schemas.microsoft.com/office/powerpoint/2010/main" val="3955151137"/>
+      </p:ext>
+    </p:extLst>
+  </p:cSld>
+  <p:clrMapOvr>
+    <a:masterClrMapping/>
+  </p:clrMapOvr>
+  <p:timing>
+    <p:tnLst>
+      <p:par>
+        <p:cTn id="1" dur="indefinite" restart="never" nodeType="tmRoot"/>
+      </p:par>
+    </p:tnLst>
+  </p:timing>
+</p:sld>
+</file>
+
+<file path=ppt/slides/slide11.xml><?xml version="1.0" encoding="utf-8"?>
 <p:sld xmlns:a="http://schemas.openxmlformats.org/drawingml/2006/main" xmlns:r="http://schemas.openxmlformats.org/officeDocument/2006/relationships" xmlns:p="http://schemas.openxmlformats.org/presentationml/2006/main">
   <p:cSld>
     <p:spTree>
@@ -3776,7 +3890,7 @@
           <a:p>
             <a:fld id="{1F97A879-0BB1-4454-9264-CAA9D1A8BE2F}" type="slidenum">
               <a:rPr lang="fr-CH" smtClean="0"/>
-              <a:t>10</a:t>
+              <a:t>11</a:t>
             </a:fld>
             <a:endParaRPr lang="fr-CH"/>
           </a:p>
@@ -3786,172 +3900,6 @@
     <p:extLst>
       <p:ext uri="{BB962C8B-B14F-4D97-AF65-F5344CB8AC3E}">
         <p14:creationId xmlns:p14="http://schemas.microsoft.com/office/powerpoint/2010/main" val="1607783820"/>
-      </p:ext>
-    </p:extLst>
-  </p:cSld>
-  <p:clrMapOvr>
-    <a:masterClrMapping/>
-  </p:clrMapOvr>
-  <p:timing>
-    <p:tnLst>
-      <p:par>
-        <p:cTn id="1" dur="indefinite" restart="never" nodeType="tmRoot"/>
-      </p:par>
-    </p:tnLst>
-  </p:timing>
-</p:sld>
-</file>
-
-<file path=ppt/slides/slide11.xml><?xml version="1.0" encoding="utf-8"?>
-<p:sld xmlns:a="http://schemas.openxmlformats.org/drawingml/2006/main" xmlns:r="http://schemas.openxmlformats.org/officeDocument/2006/relationships" xmlns:p="http://schemas.openxmlformats.org/presentationml/2006/main">
-  <p:cSld>
-    <p:spTree>
-      <p:nvGrpSpPr>
-        <p:cNvPr id="1" name=""/>
-        <p:cNvGrpSpPr/>
-        <p:nvPr/>
-      </p:nvGrpSpPr>
-      <p:grpSpPr>
-        <a:xfrm>
-          <a:off x="0" y="0"/>
-          <a:ext cx="0" cy="0"/>
-          <a:chOff x="0" y="0"/>
-          <a:chExt cx="0" cy="0"/>
-        </a:xfrm>
-      </p:grpSpPr>
-      <p:sp>
-        <p:nvSpPr>
-          <p:cNvPr id="9" name="Title 8"/>
-          <p:cNvSpPr>
-            <a:spLocks noGrp="1"/>
-          </p:cNvSpPr>
-          <p:nvPr>
-            <p:ph type="title"/>
-          </p:nvPr>
-        </p:nvSpPr>
-        <p:spPr/>
-        <p:txBody>
-          <a:bodyPr/>
-          <a:lstStyle/>
-          <a:p>
-            <a:r>
-              <a:rPr lang="fr-FR" dirty="0" smtClean="0"/>
-              <a:t>Utilisation du pattern</a:t>
-            </a:r>
-            <a:endParaRPr lang="fr-FR" dirty="0"/>
-          </a:p>
-        </p:txBody>
-      </p:sp>
-      <p:sp>
-        <p:nvSpPr>
-          <p:cNvPr id="10" name="Content Placeholder 9"/>
-          <p:cNvSpPr>
-            <a:spLocks noGrp="1"/>
-          </p:cNvSpPr>
-          <p:nvPr>
-            <p:ph idx="1"/>
-          </p:nvPr>
-        </p:nvSpPr>
-        <p:spPr/>
-        <p:txBody>
-          <a:bodyPr>
-            <a:normAutofit lnSpcReduction="10000"/>
-          </a:bodyPr>
-          <a:lstStyle/>
-          <a:p>
-            <a:r>
-              <a:rPr lang="fr-FR" b="1" dirty="0" smtClean="0"/>
-              <a:t>Bindings</a:t>
-            </a:r>
-            <a:r>
-              <a:rPr lang="fr-FR" dirty="0" smtClean="0"/>
-              <a:t>: stockage de commande et exécution multiples</a:t>
-            </a:r>
-          </a:p>
-          <a:p>
-            <a:pPr lvl="1"/>
-            <a:r>
-              <a:rPr lang="fr-FR" dirty="0" smtClean="0"/>
-              <a:t>Chaque touche est associée à une commande</a:t>
-            </a:r>
-          </a:p>
-          <a:p>
-            <a:pPr lvl="1"/>
-            <a:r>
-              <a:rPr lang="fr-FR" dirty="0" smtClean="0"/>
-              <a:t>Le jeu ne fait que récupérer les commandes associées aux touches appuyées et les exécuter</a:t>
-            </a:r>
-          </a:p>
-          <a:p>
-            <a:r>
-              <a:rPr lang="fr-FR" b="1" dirty="0" err="1" smtClean="0"/>
-              <a:t>Rewind</a:t>
-            </a:r>
-            <a:r>
-              <a:rPr lang="fr-FR" dirty="0" smtClean="0"/>
-              <a:t>: annulation</a:t>
-            </a:r>
-          </a:p>
-          <a:p>
-            <a:pPr lvl="1"/>
-            <a:r>
-              <a:rPr lang="fr-FR" dirty="0" smtClean="0"/>
-              <a:t>Chaque action dans le jeu génère une commande inverse</a:t>
-            </a:r>
-          </a:p>
-          <a:p>
-            <a:pPr lvl="1"/>
-            <a:r>
-              <a:rPr lang="fr-FR" dirty="0" smtClean="0"/>
-              <a:t>L’exécution de cette commande annule le déplacement ainsi que ses effets de bords (caisse déplacée)</a:t>
-            </a:r>
-          </a:p>
-          <a:p>
-            <a:r>
-              <a:rPr lang="fr-FR" b="1" dirty="0" smtClean="0"/>
-              <a:t>Macro</a:t>
-            </a:r>
-            <a:r>
-              <a:rPr lang="fr-FR" dirty="0" smtClean="0"/>
-              <a:t>: composition</a:t>
-            </a:r>
-          </a:p>
-          <a:p>
-            <a:pPr lvl="1"/>
-            <a:r>
-              <a:rPr lang="fr-FR" dirty="0" smtClean="0"/>
-              <a:t>L’utilisateur peut définir des séquences arbitraires de commandes et les associer à une touche du clavier</a:t>
-            </a:r>
-          </a:p>
-        </p:txBody>
-      </p:sp>
-      <p:sp>
-        <p:nvSpPr>
-          <p:cNvPr id="2" name="Slide Number Placeholder 1"/>
-          <p:cNvSpPr>
-            <a:spLocks noGrp="1"/>
-          </p:cNvSpPr>
-          <p:nvPr>
-            <p:ph type="sldNum" sz="quarter" idx="12"/>
-          </p:nvPr>
-        </p:nvSpPr>
-        <p:spPr/>
-        <p:txBody>
-          <a:bodyPr/>
-          <a:lstStyle/>
-          <a:p>
-            <a:fld id="{1F97A879-0BB1-4454-9264-CAA9D1A8BE2F}" type="slidenum">
-              <a:rPr lang="fr-CH" smtClean="0"/>
-              <a:t>11</a:t>
-            </a:fld>
-            <a:endParaRPr lang="fr-CH"/>
-          </a:p>
-        </p:txBody>
-      </p:sp>
-    </p:spTree>
-    <p:extLst>
-      <p:ext uri="{BB962C8B-B14F-4D97-AF65-F5344CB8AC3E}">
-        <p14:creationId xmlns:p14="http://schemas.microsoft.com/office/powerpoint/2010/main" val="3286115319"/>
       </p:ext>
     </p:extLst>
   </p:cSld>
@@ -3987,7 +3935,7 @@
       </p:grpSpPr>
       <p:sp>
         <p:nvSpPr>
-          <p:cNvPr id="2" name="Title 1"/>
+          <p:cNvPr id="9" name="Title 8"/>
           <p:cNvSpPr>
             <a:spLocks noGrp="1"/>
           </p:cNvSpPr>
@@ -4002,138 +3950,98 @@
           <a:p>
             <a:r>
               <a:rPr lang="fr-FR" dirty="0" smtClean="0"/>
-              <a:t>Bindings </a:t>
-            </a:r>
-            <a:r>
-              <a:rPr lang="fr-FR" dirty="0" smtClean="0">
-                <a:solidFill>
-                  <a:schemeClr val="tx1">
-                    <a:lumMod val="50000"/>
-                    <a:lumOff val="50000"/>
-                  </a:schemeClr>
-                </a:solidFill>
-              </a:rPr>
-              <a:t>– Stockage, Réutilisation</a:t>
-            </a:r>
-            <a:endParaRPr lang="fr-FR" dirty="0">
-              <a:solidFill>
-                <a:schemeClr val="tx1">
-                  <a:lumMod val="50000"/>
-                  <a:lumOff val="50000"/>
-                </a:schemeClr>
-              </a:solidFill>
-            </a:endParaRPr>
-          </a:p>
-        </p:txBody>
-      </p:sp>
-      <p:sp>
-        <p:nvSpPr>
-          <p:cNvPr id="6" name="Text Placeholder 5"/>
-          <p:cNvSpPr>
-            <a:spLocks noGrp="1"/>
-          </p:cNvSpPr>
-          <p:nvPr>
-            <p:ph type="body" idx="1"/>
-          </p:nvPr>
-        </p:nvSpPr>
-        <p:spPr>
-          <a:xfrm>
-            <a:off x="630635" y="2087610"/>
-            <a:ext cx="3868340" cy="823912"/>
-          </a:xfrm>
-        </p:spPr>
-        <p:txBody>
-          <a:bodyPr/>
-          <a:lstStyle/>
-          <a:p>
-            <a:r>
-              <a:rPr lang="fr-FR" b="0" dirty="0" smtClean="0"/>
-              <a:t>Construction</a:t>
-            </a:r>
-            <a:endParaRPr lang="fr-FR" b="0" dirty="0"/>
-          </a:p>
-        </p:txBody>
-      </p:sp>
-      <p:pic>
-        <p:nvPicPr>
-          <p:cNvPr id="4" name="Content Placeholder 3"/>
-          <p:cNvPicPr>
-            <a:picLocks noGrp="1" noChangeAspect="1"/>
-          </p:cNvPicPr>
-          <p:nvPr>
-            <p:ph sz="half" idx="2"/>
-          </p:nvPr>
-        </p:nvPicPr>
-        <p:blipFill>
-          <a:blip r:embed="rId2"/>
-          <a:stretch>
-            <a:fillRect/>
-          </a:stretch>
-        </p:blipFill>
-        <p:spPr>
-          <a:xfrm>
-            <a:off x="630238" y="3308443"/>
-            <a:ext cx="3868737" cy="1303495"/>
-          </a:xfrm>
-          <a:prstGeom prst="rect">
-            <a:avLst/>
-          </a:prstGeom>
-        </p:spPr>
-      </p:pic>
-      <p:sp>
-        <p:nvSpPr>
-          <p:cNvPr id="7" name="Text Placeholder 6"/>
-          <p:cNvSpPr>
-            <a:spLocks noGrp="1"/>
-          </p:cNvSpPr>
-          <p:nvPr>
-            <p:ph type="body" sz="quarter" idx="3"/>
-          </p:nvPr>
-        </p:nvSpPr>
-        <p:spPr>
-          <a:xfrm>
-            <a:off x="4629943" y="2087610"/>
-            <a:ext cx="3887391" cy="823912"/>
-          </a:xfrm>
-        </p:spPr>
-        <p:txBody>
-          <a:bodyPr/>
-          <a:lstStyle/>
-          <a:p>
-            <a:r>
-              <a:rPr lang="fr-FR" b="0" dirty="0" smtClean="0"/>
-              <a:t>Utilisation</a:t>
-            </a:r>
-            <a:endParaRPr lang="fr-FR" b="0" dirty="0"/>
-          </a:p>
-        </p:txBody>
-      </p:sp>
-      <p:pic>
-        <p:nvPicPr>
-          <p:cNvPr id="9" name="Content Placeholder 3"/>
-          <p:cNvPicPr>
-            <a:picLocks noGrp="1" noChangeAspect="1"/>
-          </p:cNvPicPr>
-          <p:nvPr>
-            <p:ph sz="quarter" idx="4"/>
-          </p:nvPr>
-        </p:nvPicPr>
-        <p:blipFill>
-          <a:blip r:embed="rId3"/>
-          <a:stretch>
-            <a:fillRect/>
-          </a:stretch>
-        </p:blipFill>
-        <p:spPr>
-          <a:xfrm>
-            <a:off x="4629943" y="3157801"/>
-            <a:ext cx="4086482" cy="1604777"/>
-          </a:xfrm>
-        </p:spPr>
-      </p:pic>
-      <p:sp>
-        <p:nvSpPr>
-          <p:cNvPr id="3" name="Slide Number Placeholder 2"/>
+              <a:t>Utilisation du pattern</a:t>
+            </a:r>
+            <a:endParaRPr lang="fr-FR" dirty="0"/>
+          </a:p>
+        </p:txBody>
+      </p:sp>
+      <p:sp>
+        <p:nvSpPr>
+          <p:cNvPr id="10" name="Content Placeholder 9"/>
+          <p:cNvSpPr>
+            <a:spLocks noGrp="1"/>
+          </p:cNvSpPr>
+          <p:nvPr>
+            <p:ph idx="1"/>
+          </p:nvPr>
+        </p:nvSpPr>
+        <p:spPr/>
+        <p:txBody>
+          <a:bodyPr>
+            <a:normAutofit lnSpcReduction="10000"/>
+          </a:bodyPr>
+          <a:lstStyle/>
+          <a:p>
+            <a:r>
+              <a:rPr lang="fr-FR" b="1" dirty="0" smtClean="0"/>
+              <a:t>Bindings</a:t>
+            </a:r>
+            <a:r>
+              <a:rPr lang="fr-FR" dirty="0" smtClean="0"/>
+              <a:t>: stockage de commande et exécution multiples</a:t>
+            </a:r>
+          </a:p>
+          <a:p>
+            <a:pPr lvl="1"/>
+            <a:r>
+              <a:rPr lang="fr-FR" dirty="0" smtClean="0"/>
+              <a:t>Chaque touche est associée à une commande</a:t>
+            </a:r>
+          </a:p>
+          <a:p>
+            <a:pPr lvl="1"/>
+            <a:r>
+              <a:rPr lang="fr-FR" dirty="0" smtClean="0"/>
+              <a:t>Le jeu ne fait que récupérer les commandes associées aux touches appuyées et les exécuter</a:t>
+            </a:r>
+          </a:p>
+          <a:p>
+            <a:r>
+              <a:rPr lang="fr-FR" b="1" dirty="0" err="1" smtClean="0"/>
+              <a:t>Rewind</a:t>
+            </a:r>
+            <a:r>
+              <a:rPr lang="fr-FR" dirty="0" smtClean="0"/>
+              <a:t>: annulation</a:t>
+            </a:r>
+          </a:p>
+          <a:p>
+            <a:pPr lvl="1"/>
+            <a:r>
+              <a:rPr lang="fr-FR" dirty="0" smtClean="0"/>
+              <a:t>Chaque action dans le jeu génère une commande inverse</a:t>
+            </a:r>
+          </a:p>
+          <a:p>
+            <a:pPr lvl="1"/>
+            <a:r>
+              <a:rPr lang="fr-FR" dirty="0" smtClean="0"/>
+              <a:t>L’exécution de cette commande annule le déplacement ainsi que ses effets de bords (caisse déplacée)</a:t>
+            </a:r>
+          </a:p>
+          <a:p>
+            <a:r>
+              <a:rPr lang="fr-FR" b="1" dirty="0" smtClean="0"/>
+              <a:t>Macro</a:t>
+            </a:r>
+            <a:r>
+              <a:rPr lang="fr-FR" dirty="0" smtClean="0"/>
+              <a:t>: composition</a:t>
+            </a:r>
+          </a:p>
+          <a:p>
+            <a:pPr lvl="1"/>
+            <a:r>
+              <a:rPr lang="fr-FR" dirty="0" smtClean="0"/>
+              <a:t>L’utilisateur peut définir des séquences arbitraires de commandes et les associer à une touche du clavier</a:t>
+            </a:r>
+          </a:p>
+        </p:txBody>
+      </p:sp>
+      <p:sp>
+        <p:nvSpPr>
+          <p:cNvPr id="2" name="Slide Number Placeholder 1"/>
           <p:cNvSpPr>
             <a:spLocks noGrp="1"/>
           </p:cNvSpPr>
@@ -4157,7 +4065,7 @@
     </p:spTree>
     <p:extLst>
       <p:ext uri="{BB962C8B-B14F-4D97-AF65-F5344CB8AC3E}">
-        <p14:creationId xmlns:p14="http://schemas.microsoft.com/office/powerpoint/2010/main" val="970194373"/>
+        <p14:creationId xmlns:p14="http://schemas.microsoft.com/office/powerpoint/2010/main" val="3286115319"/>
       </p:ext>
     </p:extLst>
   </p:cSld>
@@ -4207,12 +4115,8 @@
           <a:lstStyle/>
           <a:p>
             <a:r>
-              <a:rPr lang="fr-FR" dirty="0" err="1" smtClean="0"/>
-              <a:t>Rewind</a:t>
-            </a:r>
-            <a:r>
               <a:rPr lang="fr-FR" dirty="0" smtClean="0"/>
-              <a:t> </a:t>
+              <a:t>Bindings </a:t>
             </a:r>
             <a:r>
               <a:rPr lang="fr-FR" dirty="0" smtClean="0">
@@ -4223,7 +4127,7 @@
                   </a:schemeClr>
                 </a:solidFill>
               </a:rPr>
-              <a:t>– Annulation</a:t>
+              <a:t>– Stockage, Réutilisation</a:t>
             </a:r>
             <a:endParaRPr lang="fr-FR" dirty="0">
               <a:solidFill>
@@ -4238,7 +4142,7 @@
       </p:sp>
       <p:sp>
         <p:nvSpPr>
-          <p:cNvPr id="3" name="Text Placeholder 2"/>
+          <p:cNvPr id="6" name="Text Placeholder 5"/>
           <p:cNvSpPr>
             <a:spLocks noGrp="1"/>
           </p:cNvSpPr>
@@ -4248,8 +4152,8 @@
         </p:nvSpPr>
         <p:spPr>
           <a:xfrm>
-            <a:off x="629841" y="1524001"/>
-            <a:ext cx="3868340" cy="503280"/>
+            <a:off x="630635" y="2087610"/>
+            <a:ext cx="3868340" cy="823912"/>
           </a:xfrm>
         </p:spPr>
         <p:txBody>
@@ -4264,42 +4168,14 @@
           </a:p>
         </p:txBody>
       </p:sp>
-      <p:sp>
-        <p:nvSpPr>
-          <p:cNvPr id="5" name="Text Placeholder 4"/>
-          <p:cNvSpPr>
-            <a:spLocks noGrp="1"/>
-          </p:cNvSpPr>
-          <p:nvPr>
-            <p:ph type="body" sz="quarter" idx="3"/>
-          </p:nvPr>
-        </p:nvSpPr>
-        <p:spPr>
-          <a:xfrm>
-            <a:off x="4629149" y="1524001"/>
-            <a:ext cx="3887391" cy="503280"/>
-          </a:xfrm>
-        </p:spPr>
-        <p:txBody>
-          <a:bodyPr/>
-          <a:lstStyle/>
-          <a:p>
-            <a:r>
-              <a:rPr lang="fr-FR" b="0" dirty="0" smtClean="0"/>
-              <a:t>Utilisation</a:t>
-            </a:r>
-            <a:endParaRPr lang="fr-FR" b="0" dirty="0"/>
-          </a:p>
-        </p:txBody>
-      </p:sp>
       <p:pic>
         <p:nvPicPr>
-          <p:cNvPr id="9" name="Content Placeholder 8"/>
+          <p:cNvPr id="4" name="Content Placeholder 3"/>
           <p:cNvPicPr>
             <a:picLocks noGrp="1" noChangeAspect="1"/>
           </p:cNvPicPr>
           <p:nvPr>
-            <p:ph sz="quarter" idx="4"/>
+            <p:ph sz="half" idx="2"/>
           </p:nvPr>
         </p:nvPicPr>
         <p:blipFill>
@@ -4310,22 +4186,50 @@
         </p:blipFill>
         <p:spPr>
           <a:xfrm>
-            <a:off x="4728004" y="2233226"/>
-            <a:ext cx="2074949" cy="892128"/>
+            <a:off x="630238" y="3308443"/>
+            <a:ext cx="3868737" cy="1303495"/>
           </a:xfrm>
           <a:prstGeom prst="rect">
             <a:avLst/>
           </a:prstGeom>
         </p:spPr>
       </p:pic>
+      <p:sp>
+        <p:nvSpPr>
+          <p:cNvPr id="7" name="Text Placeholder 6"/>
+          <p:cNvSpPr>
+            <a:spLocks noGrp="1"/>
+          </p:cNvSpPr>
+          <p:nvPr>
+            <p:ph type="body" sz="quarter" idx="3"/>
+          </p:nvPr>
+        </p:nvSpPr>
+        <p:spPr>
+          <a:xfrm>
+            <a:off x="4629943" y="2087610"/>
+            <a:ext cx="3887391" cy="823912"/>
+          </a:xfrm>
+        </p:spPr>
+        <p:txBody>
+          <a:bodyPr/>
+          <a:lstStyle/>
+          <a:p>
+            <a:r>
+              <a:rPr lang="fr-FR" b="0" dirty="0" smtClean="0"/>
+              <a:t>Utilisation</a:t>
+            </a:r>
+            <a:endParaRPr lang="fr-FR" b="0" dirty="0"/>
+          </a:p>
+        </p:txBody>
+      </p:sp>
       <p:pic>
         <p:nvPicPr>
-          <p:cNvPr id="11" name="Content Placeholder 10"/>
+          <p:cNvPr id="9" name="Content Placeholder 3"/>
           <p:cNvPicPr>
             <a:picLocks noGrp="1" noChangeAspect="1"/>
           </p:cNvPicPr>
           <p:nvPr>
-            <p:ph sz="half" idx="2"/>
+            <p:ph sz="quarter" idx="4"/>
           </p:nvPr>
         </p:nvPicPr>
         <p:blipFill>
@@ -4336,17 +4240,14 @@
         </p:blipFill>
         <p:spPr>
           <a:xfrm>
-            <a:off x="707923" y="2233226"/>
-            <a:ext cx="3857030" cy="3956050"/>
+            <a:off x="4629943" y="3157801"/>
+            <a:ext cx="4086482" cy="1604777"/>
           </a:xfrm>
-          <a:prstGeom prst="rect">
-            <a:avLst/>
-          </a:prstGeom>
         </p:spPr>
       </p:pic>
       <p:sp>
         <p:nvSpPr>
-          <p:cNvPr id="4" name="Slide Number Placeholder 3"/>
+          <p:cNvPr id="3" name="Slide Number Placeholder 2"/>
           <p:cNvSpPr>
             <a:spLocks noGrp="1"/>
           </p:cNvSpPr>
@@ -4370,7 +4271,7 @@
     </p:spTree>
     <p:extLst>
       <p:ext uri="{BB962C8B-B14F-4D97-AF65-F5344CB8AC3E}">
-        <p14:creationId xmlns:p14="http://schemas.microsoft.com/office/powerpoint/2010/main" val="3263231493"/>
+        <p14:creationId xmlns:p14="http://schemas.microsoft.com/office/powerpoint/2010/main" val="970194373"/>
       </p:ext>
     </p:extLst>
   </p:cSld>
@@ -4420,8 +4321,12 @@
           <a:lstStyle/>
           <a:p>
             <a:r>
+              <a:rPr lang="fr-FR" dirty="0" err="1" smtClean="0"/>
+              <a:t>Rewind</a:t>
+            </a:r>
+            <a:r>
               <a:rPr lang="fr-FR" dirty="0" smtClean="0"/>
-              <a:t>Macro </a:t>
+              <a:t> </a:t>
             </a:r>
             <a:r>
               <a:rPr lang="fr-FR" dirty="0" smtClean="0">
@@ -4432,7 +4337,7 @@
                   </a:schemeClr>
                 </a:solidFill>
               </a:rPr>
-              <a:t>– Composition</a:t>
+              <a:t>– Annulation</a:t>
             </a:r>
             <a:endParaRPr lang="fr-FR" dirty="0">
               <a:solidFill>
@@ -4445,14 +4350,70 @@
           </a:p>
         </p:txBody>
       </p:sp>
+      <p:sp>
+        <p:nvSpPr>
+          <p:cNvPr id="3" name="Text Placeholder 2"/>
+          <p:cNvSpPr>
+            <a:spLocks noGrp="1"/>
+          </p:cNvSpPr>
+          <p:nvPr>
+            <p:ph type="body" idx="1"/>
+          </p:nvPr>
+        </p:nvSpPr>
+        <p:spPr>
+          <a:xfrm>
+            <a:off x="629841" y="1524001"/>
+            <a:ext cx="3868340" cy="503280"/>
+          </a:xfrm>
+        </p:spPr>
+        <p:txBody>
+          <a:bodyPr/>
+          <a:lstStyle/>
+          <a:p>
+            <a:r>
+              <a:rPr lang="fr-FR" b="0" dirty="0" smtClean="0"/>
+              <a:t>Construction</a:t>
+            </a:r>
+            <a:endParaRPr lang="fr-FR" b="0" dirty="0"/>
+          </a:p>
+        </p:txBody>
+      </p:sp>
+      <p:sp>
+        <p:nvSpPr>
+          <p:cNvPr id="5" name="Text Placeholder 4"/>
+          <p:cNvSpPr>
+            <a:spLocks noGrp="1"/>
+          </p:cNvSpPr>
+          <p:nvPr>
+            <p:ph type="body" sz="quarter" idx="3"/>
+          </p:nvPr>
+        </p:nvSpPr>
+        <p:spPr>
+          <a:xfrm>
+            <a:off x="4629149" y="1524001"/>
+            <a:ext cx="3887391" cy="503280"/>
+          </a:xfrm>
+        </p:spPr>
+        <p:txBody>
+          <a:bodyPr/>
+          <a:lstStyle/>
+          <a:p>
+            <a:r>
+              <a:rPr lang="fr-FR" b="0" dirty="0" smtClean="0"/>
+              <a:t>Utilisation</a:t>
+            </a:r>
+            <a:endParaRPr lang="fr-FR" b="0" dirty="0"/>
+          </a:p>
+        </p:txBody>
+      </p:sp>
       <p:pic>
         <p:nvPicPr>
-          <p:cNvPr id="8" name="Content Placeholder 7"/>
+          <p:cNvPr id="9" name="Content Placeholder 8"/>
           <p:cNvPicPr>
             <a:picLocks noGrp="1" noChangeAspect="1"/>
           </p:cNvPicPr>
           <p:nvPr>
-            <p:ph idx="1"/>
+            <p:ph sz="quarter" idx="4"/>
           </p:nvPr>
         </p:nvPicPr>
         <p:blipFill>
@@ -4463,17 +4424,43 @@
         </p:blipFill>
         <p:spPr>
           <a:xfrm>
-            <a:off x="628650" y="1998022"/>
-            <a:ext cx="7886700" cy="4006544"/>
+            <a:off x="4728004" y="2233226"/>
+            <a:ext cx="2074949" cy="892128"/>
           </a:xfrm>
           <a:prstGeom prst="rect">
             <a:avLst/>
           </a:prstGeom>
         </p:spPr>
       </p:pic>
-      <p:sp>
-        <p:nvSpPr>
-          <p:cNvPr id="3" name="Slide Number Placeholder 2"/>
+      <p:pic>
+        <p:nvPicPr>
+          <p:cNvPr id="11" name="Content Placeholder 10"/>
+          <p:cNvPicPr>
+            <a:picLocks noGrp="1" noChangeAspect="1"/>
+          </p:cNvPicPr>
+          <p:nvPr>
+            <p:ph sz="half" idx="2"/>
+          </p:nvPr>
+        </p:nvPicPr>
+        <p:blipFill>
+          <a:blip r:embed="rId3"/>
+          <a:stretch>
+            <a:fillRect/>
+          </a:stretch>
+        </p:blipFill>
+        <p:spPr>
+          <a:xfrm>
+            <a:off x="707923" y="2233226"/>
+            <a:ext cx="3857030" cy="3956050"/>
+          </a:xfrm>
+          <a:prstGeom prst="rect">
+            <a:avLst/>
+          </a:prstGeom>
+        </p:spPr>
+      </p:pic>
+      <p:sp>
+        <p:nvSpPr>
+          <p:cNvPr id="4" name="Slide Number Placeholder 3"/>
           <p:cNvSpPr>
             <a:spLocks noGrp="1"/>
           </p:cNvSpPr>
@@ -4497,7 +4484,7 @@
     </p:spTree>
     <p:extLst>
       <p:ext uri="{BB962C8B-B14F-4D97-AF65-F5344CB8AC3E}">
-        <p14:creationId xmlns:p14="http://schemas.microsoft.com/office/powerpoint/2010/main" val="784512283"/>
+        <p14:creationId xmlns:p14="http://schemas.microsoft.com/office/powerpoint/2010/main" val="3263231493"/>
       </p:ext>
     </p:extLst>
   </p:cSld>
@@ -4548,7 +4535,18 @@
           <a:p>
             <a:r>
               <a:rPr lang="fr-FR" dirty="0" smtClean="0"/>
-              <a:t>Conclusion</a:t>
+              <a:t>Macro </a:t>
+            </a:r>
+            <a:r>
+              <a:rPr lang="fr-FR" dirty="0" smtClean="0">
+                <a:solidFill>
+                  <a:schemeClr val="tx1">
+                    <a:lumMod val="50000"/>
+                    <a:lumOff val="50000"/>
+                  </a:schemeClr>
+                </a:solidFill>
+              </a:rPr>
+              <a:t>– Composition</a:t>
             </a:r>
             <a:endParaRPr lang="fr-FR" dirty="0">
               <a:solidFill>
@@ -4561,62 +4559,35 @@
           </a:p>
         </p:txBody>
       </p:sp>
-      <p:sp>
-        <p:nvSpPr>
-          <p:cNvPr id="3" name="Content Placeholder 2"/>
-          <p:cNvSpPr>
-            <a:spLocks noGrp="1"/>
-          </p:cNvSpPr>
+      <p:pic>
+        <p:nvPicPr>
+          <p:cNvPr id="8" name="Content Placeholder 7"/>
+          <p:cNvPicPr>
+            <a:picLocks noGrp="1" noChangeAspect="1"/>
+          </p:cNvPicPr>
           <p:nvPr>
             <p:ph idx="1"/>
           </p:nvPr>
-        </p:nvSpPr>
-        <p:spPr/>
-        <p:txBody>
-          <a:bodyPr/>
-          <a:lstStyle/>
-          <a:p>
-            <a:r>
-              <a:rPr lang="fr-FR" dirty="0"/>
-              <a:t>Abstraction du </a:t>
-            </a:r>
-            <a:r>
-              <a:rPr lang="fr-FR" dirty="0" smtClean="0"/>
-              <a:t>traitement</a:t>
-            </a:r>
-          </a:p>
-          <a:p>
-            <a:r>
-              <a:rPr lang="fr-FR" dirty="0" err="1" smtClean="0"/>
-              <a:t>Lambdas</a:t>
-            </a:r>
-            <a:r>
-              <a:rPr lang="fr-FR" dirty="0" smtClean="0"/>
-              <a:t> et pattern « commande »</a:t>
-            </a:r>
-          </a:p>
-          <a:p>
-            <a:r>
-              <a:rPr lang="fr-FR" smtClean="0"/>
-              <a:t>Telnet</a:t>
-            </a:r>
-            <a:endParaRPr lang="fr-FR" dirty="0" smtClean="0"/>
-          </a:p>
-          <a:p>
-            <a:r>
-              <a:rPr lang="fr-FR" dirty="0" err="1" smtClean="0"/>
-              <a:t>Demo</a:t>
-            </a:r>
-            <a:endParaRPr lang="fr-FR" dirty="0" smtClean="0"/>
-          </a:p>
-          <a:p>
-            <a:endParaRPr lang="fr-FR" dirty="0"/>
-          </a:p>
-        </p:txBody>
-      </p:sp>
-      <p:sp>
-        <p:nvSpPr>
-          <p:cNvPr id="4" name="Slide Number Placeholder 3"/>
+        </p:nvPicPr>
+        <p:blipFill>
+          <a:blip r:embed="rId2"/>
+          <a:stretch>
+            <a:fillRect/>
+          </a:stretch>
+        </p:blipFill>
+        <p:spPr>
+          <a:xfrm>
+            <a:off x="628650" y="1998022"/>
+            <a:ext cx="7886700" cy="4006544"/>
+          </a:xfrm>
+          <a:prstGeom prst="rect">
+            <a:avLst/>
+          </a:prstGeom>
+        </p:spPr>
+      </p:pic>
+      <p:sp>
+        <p:nvSpPr>
+          <p:cNvPr id="3" name="Slide Number Placeholder 2"/>
           <p:cNvSpPr>
             <a:spLocks noGrp="1"/>
           </p:cNvSpPr>
@@ -4640,7 +4611,7 @@
     </p:spTree>
     <p:extLst>
       <p:ext uri="{BB962C8B-B14F-4D97-AF65-F5344CB8AC3E}">
-        <p14:creationId xmlns:p14="http://schemas.microsoft.com/office/powerpoint/2010/main" val="2450968291"/>
+        <p14:creationId xmlns:p14="http://schemas.microsoft.com/office/powerpoint/2010/main" val="784512283"/>
       </p:ext>
     </p:extLst>
   </p:cSld>
@@ -4676,6 +4647,149 @@
       </p:grpSpPr>
       <p:sp>
         <p:nvSpPr>
+          <p:cNvPr id="2" name="Title 1"/>
+          <p:cNvSpPr>
+            <a:spLocks noGrp="1"/>
+          </p:cNvSpPr>
+          <p:nvPr>
+            <p:ph type="title"/>
+          </p:nvPr>
+        </p:nvSpPr>
+        <p:spPr/>
+        <p:txBody>
+          <a:bodyPr/>
+          <a:lstStyle/>
+          <a:p>
+            <a:r>
+              <a:rPr lang="fr-FR" dirty="0" smtClean="0"/>
+              <a:t>Conclusion</a:t>
+            </a:r>
+            <a:endParaRPr lang="fr-FR" dirty="0">
+              <a:solidFill>
+                <a:schemeClr val="tx1">
+                  <a:lumMod val="50000"/>
+                  <a:lumOff val="50000"/>
+                </a:schemeClr>
+              </a:solidFill>
+            </a:endParaRPr>
+          </a:p>
+        </p:txBody>
+      </p:sp>
+      <p:sp>
+        <p:nvSpPr>
+          <p:cNvPr id="3" name="Content Placeholder 2"/>
+          <p:cNvSpPr>
+            <a:spLocks noGrp="1"/>
+          </p:cNvSpPr>
+          <p:nvPr>
+            <p:ph idx="1"/>
+          </p:nvPr>
+        </p:nvSpPr>
+        <p:spPr/>
+        <p:txBody>
+          <a:bodyPr/>
+          <a:lstStyle/>
+          <a:p>
+            <a:r>
+              <a:rPr lang="fr-FR" dirty="0"/>
+              <a:t>Abstraction du </a:t>
+            </a:r>
+            <a:r>
+              <a:rPr lang="fr-FR" dirty="0" smtClean="0"/>
+              <a:t>traitement</a:t>
+            </a:r>
+          </a:p>
+          <a:p>
+            <a:r>
+              <a:rPr lang="fr-FR" dirty="0" err="1" smtClean="0"/>
+              <a:t>Lambdas</a:t>
+            </a:r>
+            <a:r>
+              <a:rPr lang="fr-FR" dirty="0" smtClean="0"/>
+              <a:t> et pattern « commande »</a:t>
+            </a:r>
+          </a:p>
+          <a:p>
+            <a:r>
+              <a:rPr lang="fr-FR" smtClean="0"/>
+              <a:t>Telnet</a:t>
+            </a:r>
+            <a:endParaRPr lang="fr-FR" dirty="0" smtClean="0"/>
+          </a:p>
+          <a:p>
+            <a:r>
+              <a:rPr lang="fr-FR" dirty="0" err="1" smtClean="0"/>
+              <a:t>Demo</a:t>
+            </a:r>
+            <a:endParaRPr lang="fr-FR" dirty="0" smtClean="0"/>
+          </a:p>
+          <a:p>
+            <a:endParaRPr lang="fr-FR" dirty="0"/>
+          </a:p>
+        </p:txBody>
+      </p:sp>
+      <p:sp>
+        <p:nvSpPr>
+          <p:cNvPr id="4" name="Slide Number Placeholder 3"/>
+          <p:cNvSpPr>
+            <a:spLocks noGrp="1"/>
+          </p:cNvSpPr>
+          <p:nvPr>
+            <p:ph type="sldNum" sz="quarter" idx="12"/>
+          </p:nvPr>
+        </p:nvSpPr>
+        <p:spPr/>
+        <p:txBody>
+          <a:bodyPr/>
+          <a:lstStyle/>
+          <a:p>
+            <a:fld id="{1F97A879-0BB1-4454-9264-CAA9D1A8BE2F}" type="slidenum">
+              <a:rPr lang="fr-CH" smtClean="0"/>
+              <a:t>16</a:t>
+            </a:fld>
+            <a:endParaRPr lang="fr-CH"/>
+          </a:p>
+        </p:txBody>
+      </p:sp>
+    </p:spTree>
+    <p:extLst>
+      <p:ext uri="{BB962C8B-B14F-4D97-AF65-F5344CB8AC3E}">
+        <p14:creationId xmlns:p14="http://schemas.microsoft.com/office/powerpoint/2010/main" val="2450968291"/>
+      </p:ext>
+    </p:extLst>
+  </p:cSld>
+  <p:clrMapOvr>
+    <a:masterClrMapping/>
+  </p:clrMapOvr>
+  <p:timing>
+    <p:tnLst>
+      <p:par>
+        <p:cTn id="1" dur="indefinite" restart="never" nodeType="tmRoot"/>
+      </p:par>
+    </p:tnLst>
+  </p:timing>
+</p:sld>
+</file>
+
+<file path=ppt/slides/slide17.xml><?xml version="1.0" encoding="utf-8"?>
+<p:sld xmlns:a="http://schemas.openxmlformats.org/drawingml/2006/main" xmlns:r="http://schemas.openxmlformats.org/officeDocument/2006/relationships" xmlns:p="http://schemas.openxmlformats.org/presentationml/2006/main">
+  <p:cSld>
+    <p:spTree>
+      <p:nvGrpSpPr>
+        <p:cNvPr id="1" name=""/>
+        <p:cNvGrpSpPr/>
+        <p:nvPr/>
+      </p:nvGrpSpPr>
+      <p:grpSpPr>
+        <a:xfrm>
+          <a:off x="0" y="0"/>
+          <a:ext cx="0" cy="0"/>
+          <a:chOff x="0" y="0"/>
+          <a:chExt cx="0" cy="0"/>
+        </a:xfrm>
+      </p:grpSpPr>
+      <p:sp>
+        <p:nvSpPr>
           <p:cNvPr id="4" name="Title 3"/>
           <p:cNvSpPr>
             <a:spLocks noGrp="1"/>
@@ -4719,7 +4833,7 @@
           <a:p>
             <a:fld id="{1F97A879-0BB1-4454-9264-CAA9D1A8BE2F}" type="slidenum">
               <a:rPr lang="fr-CH" smtClean="0"/>
-              <a:t>16</a:t>
+              <a:t>17</a:t>
             </a:fld>
             <a:endParaRPr lang="fr-CH"/>
           </a:p>
@@ -4764,6 +4878,131 @@
       </p:grpSpPr>
       <p:sp>
         <p:nvSpPr>
+          <p:cNvPr id="2" name="Titre 1"/>
+          <p:cNvSpPr>
+            <a:spLocks noGrp="1"/>
+          </p:cNvSpPr>
+          <p:nvPr>
+            <p:ph type="title"/>
+          </p:nvPr>
+        </p:nvSpPr>
+        <p:spPr/>
+        <p:txBody>
+          <a:bodyPr/>
+          <a:lstStyle/>
+          <a:p>
+            <a:r>
+              <a:rPr lang="fr-CH" dirty="0" smtClean="0"/>
+              <a:t>Sommaire</a:t>
+            </a:r>
+            <a:endParaRPr lang="fr-CH" dirty="0"/>
+          </a:p>
+        </p:txBody>
+      </p:sp>
+      <p:sp>
+        <p:nvSpPr>
+          <p:cNvPr id="3" name="Espace réservé du contenu 2"/>
+          <p:cNvSpPr>
+            <a:spLocks noGrp="1"/>
+          </p:cNvSpPr>
+          <p:nvPr>
+            <p:ph idx="1"/>
+          </p:nvPr>
+        </p:nvSpPr>
+        <p:spPr/>
+        <p:txBody>
+          <a:bodyPr/>
+          <a:lstStyle/>
+          <a:p>
+            <a:r>
+              <a:rPr lang="fr-CH" dirty="0" smtClean="0"/>
+              <a:t>Présentation du projet</a:t>
+            </a:r>
+          </a:p>
+          <a:p>
+            <a:r>
+              <a:rPr lang="fr-CH" dirty="0" smtClean="0"/>
+              <a:t>Rappel sur le modèle</a:t>
+            </a:r>
+          </a:p>
+          <a:p>
+            <a:r>
+              <a:rPr lang="fr-CH" dirty="0" smtClean="0"/>
+              <a:t>Architecture de l’application</a:t>
+            </a:r>
+          </a:p>
+          <a:p>
+            <a:r>
+              <a:rPr lang="fr-CH" dirty="0" smtClean="0"/>
+              <a:t>Utilisations du modèle</a:t>
+            </a:r>
+          </a:p>
+          <a:p>
+            <a:r>
+              <a:rPr lang="fr-CH" dirty="0" smtClean="0"/>
+              <a:t>Conclusion &amp; démo</a:t>
+            </a:r>
+          </a:p>
+          <a:p>
+            <a:endParaRPr lang="fr-CH" dirty="0"/>
+          </a:p>
+        </p:txBody>
+      </p:sp>
+      <p:sp>
+        <p:nvSpPr>
+          <p:cNvPr id="4" name="Espace réservé du numéro de diapositive 3"/>
+          <p:cNvSpPr>
+            <a:spLocks noGrp="1"/>
+          </p:cNvSpPr>
+          <p:nvPr>
+            <p:ph type="sldNum" sz="quarter" idx="12"/>
+          </p:nvPr>
+        </p:nvSpPr>
+        <p:spPr/>
+        <p:txBody>
+          <a:bodyPr/>
+          <a:lstStyle/>
+          <a:p>
+            <a:fld id="{1F97A879-0BB1-4454-9264-CAA9D1A8BE2F}" type="slidenum">
+              <a:rPr lang="fr-CH" smtClean="0"/>
+              <a:t>2</a:t>
+            </a:fld>
+            <a:endParaRPr lang="fr-CH"/>
+          </a:p>
+        </p:txBody>
+      </p:sp>
+    </p:spTree>
+    <p:extLst>
+      <p:ext uri="{BB962C8B-B14F-4D97-AF65-F5344CB8AC3E}">
+        <p14:creationId xmlns:p14="http://schemas.microsoft.com/office/powerpoint/2010/main" val="1847290112"/>
+      </p:ext>
+    </p:extLst>
+  </p:cSld>
+  <p:clrMapOvr>
+    <a:masterClrMapping/>
+  </p:clrMapOvr>
+</p:sld>
+</file>
+
+<file path=ppt/slides/slide3.xml><?xml version="1.0" encoding="utf-8"?>
+<p:sld xmlns:a="http://schemas.openxmlformats.org/drawingml/2006/main" xmlns:r="http://schemas.openxmlformats.org/officeDocument/2006/relationships" xmlns:p="http://schemas.openxmlformats.org/presentationml/2006/main">
+  <p:cSld>
+    <p:spTree>
+      <p:nvGrpSpPr>
+        <p:cNvPr id="1" name=""/>
+        <p:cNvGrpSpPr/>
+        <p:nvPr/>
+      </p:nvGrpSpPr>
+      <p:grpSpPr>
+        <a:xfrm>
+          <a:off x="0" y="0"/>
+          <a:ext cx="0" cy="0"/>
+          <a:chOff x="0" y="0"/>
+          <a:chExt cx="0" cy="0"/>
+        </a:xfrm>
+      </p:grpSpPr>
+      <p:sp>
+        <p:nvSpPr>
           <p:cNvPr id="2" name="Title 1"/>
           <p:cNvSpPr>
             <a:spLocks noGrp="1"/>
@@ -4844,7 +5083,7 @@
           <a:p>
             <a:fld id="{1F97A879-0BB1-4454-9264-CAA9D1A8BE2F}" type="slidenum">
               <a:rPr lang="fr-CH" smtClean="0"/>
-              <a:t>2</a:t>
+              <a:t>3</a:t>
             </a:fld>
             <a:endParaRPr lang="fr-CH"/>
           </a:p>
@@ -4854,128 +5093,6 @@
     <p:extLst>
       <p:ext uri="{BB962C8B-B14F-4D97-AF65-F5344CB8AC3E}">
         <p14:creationId xmlns:p14="http://schemas.microsoft.com/office/powerpoint/2010/main" val="3566018513"/>
-      </p:ext>
-    </p:extLst>
-  </p:cSld>
-  <p:clrMapOvr>
-    <a:masterClrMapping/>
-  </p:clrMapOvr>
-  <p:timing>
-    <p:tnLst>
-      <p:par>
-        <p:cTn id="1" dur="indefinite" restart="never" nodeType="tmRoot"/>
-      </p:par>
-    </p:tnLst>
-  </p:timing>
-</p:sld>
-</file>
-
-<file path=ppt/slides/slide3.xml><?xml version="1.0" encoding="utf-8"?>
-<p:sld xmlns:a="http://schemas.openxmlformats.org/drawingml/2006/main" xmlns:r="http://schemas.openxmlformats.org/officeDocument/2006/relationships" xmlns:p="http://schemas.openxmlformats.org/presentationml/2006/main">
-  <p:cSld>
-    <p:spTree>
-      <p:nvGrpSpPr>
-        <p:cNvPr id="1" name=""/>
-        <p:cNvGrpSpPr/>
-        <p:nvPr/>
-      </p:nvGrpSpPr>
-      <p:grpSpPr>
-        <a:xfrm>
-          <a:off x="0" y="0"/>
-          <a:ext cx="0" cy="0"/>
-          <a:chOff x="0" y="0"/>
-          <a:chExt cx="0" cy="0"/>
-        </a:xfrm>
-      </p:grpSpPr>
-      <p:sp>
-        <p:nvSpPr>
-          <p:cNvPr id="2" name="Title 1"/>
-          <p:cNvSpPr>
-            <a:spLocks noGrp="1"/>
-          </p:cNvSpPr>
-          <p:nvPr>
-            <p:ph type="title"/>
-          </p:nvPr>
-        </p:nvSpPr>
-        <p:spPr/>
-        <p:txBody>
-          <a:bodyPr/>
-          <a:lstStyle/>
-          <a:p>
-            <a:r>
-              <a:rPr lang="fr-FR" dirty="0" err="1" smtClean="0"/>
-              <a:t>Sokonet</a:t>
-            </a:r>
-            <a:endParaRPr lang="fr-FR" dirty="0"/>
-          </a:p>
-        </p:txBody>
-      </p:sp>
-      <p:pic>
-        <p:nvPicPr>
-          <p:cNvPr id="6" name="Content Placeholder 5"/>
-          <p:cNvPicPr>
-            <a:picLocks noGrp="1" noChangeAspect="1"/>
-          </p:cNvPicPr>
-          <p:nvPr>
-            <p:ph idx="1"/>
-          </p:nvPr>
-        </p:nvPicPr>
-        <p:blipFill>
-          <a:blip r:embed="rId2">
-            <a:extLst>
-              <a:ext uri="{28A0092B-C50C-407E-A947-70E740481C1C}">
-                <a14:useLocalDpi xmlns:a14="http://schemas.microsoft.com/office/drawing/2010/main" val="0"/>
-              </a:ext>
-            </a:extLst>
-          </a:blip>
-          <a:stretch>
-            <a:fillRect/>
-          </a:stretch>
-        </p:blipFill>
-        <p:spPr>
-          <a:xfrm>
-            <a:off x="1595122" y="1836420"/>
-            <a:ext cx="5953755" cy="4172867"/>
-          </a:xfrm>
-          <a:prstGeom prst="rect">
-            <a:avLst/>
-          </a:prstGeom>
-          <a:effectLst>
-            <a:outerShdw blurRad="342900" dist="38100" dir="5400000" algn="t" rotWithShape="0">
-              <a:prstClr val="black">
-                <a:alpha val="20000"/>
-              </a:prstClr>
-            </a:outerShdw>
-          </a:effectLst>
-        </p:spPr>
-      </p:pic>
-      <p:sp>
-        <p:nvSpPr>
-          <p:cNvPr id="3" name="Slide Number Placeholder 2"/>
-          <p:cNvSpPr>
-            <a:spLocks noGrp="1"/>
-          </p:cNvSpPr>
-          <p:nvPr>
-            <p:ph type="sldNum" sz="quarter" idx="12"/>
-          </p:nvPr>
-        </p:nvSpPr>
-        <p:spPr/>
-        <p:txBody>
-          <a:bodyPr/>
-          <a:lstStyle/>
-          <a:p>
-            <a:fld id="{1F97A879-0BB1-4454-9264-CAA9D1A8BE2F}" type="slidenum">
-              <a:rPr lang="fr-CH" smtClean="0"/>
-              <a:t>3</a:t>
-            </a:fld>
-            <a:endParaRPr lang="fr-CH"/>
-          </a:p>
-        </p:txBody>
-      </p:sp>
-    </p:spTree>
-    <p:extLst>
-      <p:ext uri="{BB962C8B-B14F-4D97-AF65-F5344CB8AC3E}">
-        <p14:creationId xmlns:p14="http://schemas.microsoft.com/office/powerpoint/2010/main" val="1888094768"/>
       </p:ext>
     </p:extLst>
   </p:cSld>
@@ -5016,102 +5133,61 @@
             <a:spLocks noGrp="1"/>
           </p:cNvSpPr>
           <p:nvPr>
-            <p:ph type="ctrTitle"/>
-          </p:nvPr>
-        </p:nvSpPr>
+            <p:ph type="title"/>
+          </p:nvPr>
+        </p:nvSpPr>
+        <p:spPr/>
+        <p:txBody>
+          <a:bodyPr/>
+          <a:lstStyle/>
+          <a:p>
+            <a:r>
+              <a:rPr lang="fr-FR" dirty="0" err="1" smtClean="0"/>
+              <a:t>Sokonet</a:t>
+            </a:r>
+            <a:endParaRPr lang="fr-FR" dirty="0"/>
+          </a:p>
+        </p:txBody>
+      </p:sp>
+      <p:pic>
+        <p:nvPicPr>
+          <p:cNvPr id="6" name="Content Placeholder 5"/>
+          <p:cNvPicPr>
+            <a:picLocks noGrp="1" noChangeAspect="1"/>
+          </p:cNvPicPr>
+          <p:nvPr>
+            <p:ph idx="1"/>
+          </p:nvPr>
+        </p:nvPicPr>
+        <p:blipFill>
+          <a:blip r:embed="rId2">
+            <a:extLst>
+              <a:ext uri="{28A0092B-C50C-407E-A947-70E740481C1C}">
+                <a14:useLocalDpi xmlns:a14="http://schemas.microsoft.com/office/drawing/2010/main" val="0"/>
+              </a:ext>
+            </a:extLst>
+          </a:blip>
+          <a:stretch>
+            <a:fillRect/>
+          </a:stretch>
+        </p:blipFill>
         <p:spPr>
           <a:xfrm>
-            <a:off x="685800" y="500449"/>
-            <a:ext cx="7772400" cy="5857102"/>
+            <a:off x="1595122" y="1836420"/>
+            <a:ext cx="5953755" cy="4172867"/>
           </a:xfrm>
+          <a:prstGeom prst="rect">
+            <a:avLst/>
+          </a:prstGeom>
+          <a:effectLst>
+            <a:outerShdw blurRad="342900" dist="38100" dir="5400000" algn="t" rotWithShape="0">
+              <a:prstClr val="black">
+                <a:alpha val="20000"/>
+              </a:prstClr>
+            </a:outerShdw>
+          </a:effectLst>
         </p:spPr>
-        <p:txBody>
-          <a:bodyPr anchor="ctr">
-            <a:normAutofit/>
-          </a:bodyPr>
-          <a:lstStyle/>
-          <a:p>
-            <a:r>
-              <a:rPr lang="fr-FR" sz="3200" dirty="0" smtClean="0">
-                <a:solidFill>
-                  <a:schemeClr val="tx1">
-                    <a:lumMod val="50000"/>
-                    <a:lumOff val="50000"/>
-                  </a:schemeClr>
-                </a:solidFill>
-                <a:latin typeface="Consolas" panose="020B0609020204030204" pitchFamily="49" charset="0"/>
-              </a:rPr>
-              <a:t>$&gt;</a:t>
-            </a:r>
-            <a:r>
-              <a:rPr lang="fr-FR" sz="3200" dirty="0" smtClean="0">
-                <a:latin typeface="Consolas" panose="020B0609020204030204" pitchFamily="49" charset="0"/>
-              </a:rPr>
-              <a:t> </a:t>
-            </a:r>
-            <a:r>
-              <a:rPr lang="fr-FR" sz="3200" dirty="0" err="1">
-                <a:latin typeface="Consolas" panose="020B0609020204030204" pitchFamily="49" charset="0"/>
-              </a:rPr>
-              <a:t>telnet</a:t>
-            </a:r>
-            <a:r>
-              <a:rPr lang="fr-FR" sz="3200" dirty="0">
-                <a:latin typeface="Consolas" panose="020B0609020204030204" pitchFamily="49" charset="0"/>
-              </a:rPr>
-              <a:t> </a:t>
-            </a:r>
-            <a:r>
-              <a:rPr lang="fr-FR" sz="3200" dirty="0" smtClean="0">
-                <a:solidFill>
-                  <a:schemeClr val="accent5"/>
-                </a:solidFill>
-                <a:latin typeface="Consolas" panose="020B0609020204030204" pitchFamily="49" charset="0"/>
-              </a:rPr>
-              <a:t>10.192.91.190</a:t>
-            </a:r>
-            <a:r>
-              <a:rPr lang="fr-FR" sz="3200" dirty="0" smtClean="0">
-                <a:latin typeface="Consolas" panose="020B0609020204030204" pitchFamily="49" charset="0"/>
-              </a:rPr>
-              <a:t> </a:t>
-            </a:r>
-            <a:r>
-              <a:rPr lang="fr-FR" sz="3200" dirty="0">
-                <a:solidFill>
-                  <a:schemeClr val="accent2"/>
-                </a:solidFill>
-                <a:latin typeface="Consolas" panose="020B0609020204030204" pitchFamily="49" charset="0"/>
-              </a:rPr>
-              <a:t>2121</a:t>
-            </a:r>
-            <a:r>
-              <a:rPr lang="fr-FR" sz="3200" dirty="0">
-                <a:solidFill>
-                  <a:schemeClr val="bg1"/>
-                </a:solidFill>
-                <a:latin typeface="Consolas" panose="020B0609020204030204" pitchFamily="49" charset="0"/>
-              </a:rPr>
-              <a:t> </a:t>
-            </a:r>
-            <a:r>
-              <a:rPr lang="fr-FR" sz="3200" dirty="0" smtClean="0">
-                <a:solidFill>
-                  <a:schemeClr val="bg1"/>
-                </a:solidFill>
-                <a:latin typeface="Consolas" panose="020B0609020204030204" pitchFamily="49" charset="0"/>
-              </a:rPr>
-              <a:t>$</a:t>
-            </a:r>
-            <a:endParaRPr lang="fr-FR" sz="3200" dirty="0">
-              <a:solidFill>
-                <a:schemeClr val="bg1"/>
-              </a:solidFill>
-              <a:latin typeface="Consolas" panose="020B0609020204030204" pitchFamily="49" charset="0"/>
-            </a:endParaRPr>
-          </a:p>
-        </p:txBody>
-      </p:sp>
+      </p:pic>
       <p:sp>
         <p:nvSpPr>
           <p:cNvPr id="3" name="Slide Number Placeholder 2"/>
@@ -5135,68 +5211,10 @@
           </a:p>
         </p:txBody>
       </p:sp>
-      <p:sp>
-        <p:nvSpPr>
-          <p:cNvPr id="4" name="TextBox 3"/>
-          <p:cNvSpPr txBox="1"/>
-          <p:nvPr/>
-        </p:nvSpPr>
-        <p:spPr>
-          <a:xfrm>
-            <a:off x="1216324" y="5408762"/>
-            <a:ext cx="4652620" cy="369332"/>
-          </a:xfrm>
-          <a:prstGeom prst="rect">
-            <a:avLst/>
-          </a:prstGeom>
-          <a:noFill/>
-        </p:spPr>
-        <p:txBody>
-          <a:bodyPr wrap="none" rtlCol="0">
-            <a:spAutoFit/>
-          </a:bodyPr>
-          <a:lstStyle/>
-          <a:p>
-            <a:r>
-              <a:rPr lang="fr-FR" dirty="0" err="1" smtClean="0"/>
-              <a:t>Please</a:t>
-            </a:r>
-            <a:r>
-              <a:rPr lang="fr-FR" dirty="0" smtClean="0"/>
-              <a:t> </a:t>
-            </a:r>
-            <a:r>
-              <a:rPr lang="fr-FR" dirty="0" err="1" smtClean="0"/>
-              <a:t>don’t</a:t>
-            </a:r>
-            <a:r>
-              <a:rPr lang="fr-FR" dirty="0" smtClean="0"/>
-              <a:t> report bugs </a:t>
-            </a:r>
-            <a:r>
-              <a:rPr lang="fr-FR" dirty="0" err="1" smtClean="0"/>
-              <a:t>until</a:t>
-            </a:r>
-            <a:r>
-              <a:rPr lang="fr-FR" dirty="0" smtClean="0"/>
-              <a:t> end of </a:t>
-            </a:r>
-            <a:r>
-              <a:rPr lang="fr-FR" dirty="0" err="1" smtClean="0"/>
-              <a:t>slideshow</a:t>
-            </a:r>
-            <a:r>
-              <a:rPr lang="fr-FR" dirty="0" smtClean="0"/>
-              <a:t> </a:t>
-            </a:r>
-            <a:endParaRPr lang="fr-FR" dirty="0"/>
-          </a:p>
-        </p:txBody>
-      </p:sp>
     </p:spTree>
     <p:extLst>
       <p:ext uri="{BB962C8B-B14F-4D97-AF65-F5344CB8AC3E}">
-        <p14:creationId xmlns:p14="http://schemas.microsoft.com/office/powerpoint/2010/main" val="1790708244"/>
+        <p14:creationId xmlns:p14="http://schemas.microsoft.com/office/powerpoint/2010/main" val="1888094768"/>
       </p:ext>
     </p:extLst>
   </p:cSld>
@@ -5237,111 +5255,105 @@
             <a:spLocks noGrp="1"/>
           </p:cNvSpPr>
           <p:nvPr>
-            <p:ph type="title"/>
-          </p:nvPr>
-        </p:nvSpPr>
-        <p:spPr/>
-        <p:txBody>
-          <a:bodyPr/>
-          <a:lstStyle/>
-          <a:p>
-            <a:r>
-              <a:rPr lang="fr-FR" dirty="0" smtClean="0"/>
-              <a:t>Pattern « Commande »</a:t>
-            </a:r>
-            <a:endParaRPr lang="fr-FR" dirty="0"/>
-          </a:p>
-        </p:txBody>
-      </p:sp>
-      <p:sp>
-        <p:nvSpPr>
-          <p:cNvPr id="3" name="Content Placeholder 2"/>
-          <p:cNvSpPr>
-            <a:spLocks noGrp="1"/>
-          </p:cNvSpPr>
-          <p:nvPr>
-            <p:ph sz="half" idx="1"/>
-          </p:nvPr>
-        </p:nvSpPr>
-        <p:spPr/>
-        <p:txBody>
-          <a:bodyPr>
-            <a:normAutofit fontScale="92500" lnSpcReduction="10000"/>
-          </a:bodyPr>
-          <a:lstStyle/>
-          <a:p>
-            <a:r>
-              <a:rPr lang="fr-FR" sz="2400" dirty="0" smtClean="0"/>
-              <a:t>Encapsule une action qui pourra être invoquée</a:t>
-            </a:r>
-            <a:br>
-              <a:rPr lang="fr-FR" sz="2400" dirty="0" smtClean="0"/>
-            </a:br>
-            <a:r>
-              <a:rPr lang="fr-FR" sz="2400" dirty="0" smtClean="0"/>
-              <a:t>« plus tard »</a:t>
-            </a:r>
-          </a:p>
-          <a:p>
-            <a:r>
-              <a:rPr lang="fr-FR" sz="2400" dirty="0" smtClean="0"/>
-              <a:t>L’exécutant n’a pas besoin de connaître les détails de l’opération réalisée</a:t>
-            </a:r>
-          </a:p>
-          <a:p>
-            <a:r>
-              <a:rPr lang="fr-FR" sz="2400" dirty="0" smtClean="0"/>
-              <a:t>Répétable</a:t>
-            </a:r>
-          </a:p>
-          <a:p>
-            <a:r>
-              <a:rPr lang="fr-FR" sz="2400" dirty="0" smtClean="0"/>
-              <a:t>La commande peut être associée à une opération inverse permettant de l’annuler</a:t>
-            </a:r>
-            <a:endParaRPr lang="fr-FR" sz="2400" dirty="0"/>
-          </a:p>
-        </p:txBody>
-      </p:sp>
-      <p:pic>
-        <p:nvPicPr>
-          <p:cNvPr id="5" name="Espace réservé du contenu 6"/>
-          <p:cNvPicPr>
-            <a:picLocks noGrp="1" noChangeAspect="1"/>
-          </p:cNvPicPr>
-          <p:nvPr>
-            <p:ph sz="half" idx="2"/>
-          </p:nvPr>
-        </p:nvPicPr>
-        <p:blipFill>
-          <a:blip r:embed="rId2">
-            <a:extLst>
-              <a:ext uri="{28A0092B-C50C-407E-A947-70E740481C1C}">
-                <a14:useLocalDpi xmlns:a14="http://schemas.microsoft.com/office/drawing/2010/main" val="0"/>
-              </a:ext>
-            </a:extLst>
-          </a:blip>
-          <a:stretch>
-            <a:fillRect/>
-          </a:stretch>
-        </p:blipFill>
+            <p:ph type="ctrTitle"/>
+          </p:nvPr>
+        </p:nvSpPr>
         <p:spPr>
           <a:xfrm>
-            <a:off x="5204780" y="2148681"/>
-            <a:ext cx="3310570" cy="3362433"/>
+            <a:off x="685800" y="500449"/>
+            <a:ext cx="7772400" cy="5857102"/>
           </a:xfrm>
-          <a:prstGeom prst="rect">
-            <a:avLst/>
-          </a:prstGeom>
-          <a:ln>
-            <a:noFill/>
-          </a:ln>
-          <a:effectLst/>
         </p:spPr>
-      </p:pic>
-      <p:sp>
-        <p:nvSpPr>
-          <p:cNvPr id="4" name="Slide Number Placeholder 3"/>
+        <p:txBody>
+          <a:bodyPr anchor="ctr">
+            <a:normAutofit/>
+          </a:bodyPr>
+          <a:lstStyle/>
+          <a:p>
+            <a:r>
+              <a:rPr lang="fr-FR" sz="3200" dirty="0" smtClean="0">
+                <a:solidFill>
+                  <a:schemeClr val="tx1">
+                    <a:lumMod val="50000"/>
+                    <a:lumOff val="50000"/>
+                  </a:schemeClr>
+                </a:solidFill>
+                <a:latin typeface="Consolas" panose="020B0609020204030204" pitchFamily="49" charset="0"/>
+              </a:rPr>
+              <a:t>$&gt;</a:t>
+            </a:r>
+            <a:r>
+              <a:rPr lang="fr-FR" sz="3200" dirty="0" smtClean="0">
+                <a:latin typeface="Consolas" panose="020B0609020204030204" pitchFamily="49" charset="0"/>
+              </a:rPr>
+              <a:t> </a:t>
+            </a:r>
+            <a:r>
+              <a:rPr lang="fr-FR" sz="3200" dirty="0" err="1">
+                <a:latin typeface="Consolas" panose="020B0609020204030204" pitchFamily="49" charset="0"/>
+              </a:rPr>
+              <a:t>telnet</a:t>
+            </a:r>
+            <a:r>
+              <a:rPr lang="fr-FR" sz="3200" dirty="0">
+                <a:latin typeface="Consolas" panose="020B0609020204030204" pitchFamily="49" charset="0"/>
+              </a:rPr>
+              <a:t> </a:t>
+            </a:r>
+            <a:r>
+              <a:rPr lang="fr-FR" sz="3200" dirty="0" smtClean="0">
+                <a:solidFill>
+                  <a:schemeClr val="accent5"/>
+                </a:solidFill>
+                <a:latin typeface="Consolas" panose="020B0609020204030204" pitchFamily="49" charset="0"/>
+              </a:rPr>
+              <a:t>10.192.91.190</a:t>
+            </a:r>
+            <a:r>
+              <a:rPr lang="fr-FR" sz="3200" dirty="0" smtClean="0">
+                <a:latin typeface="Consolas" panose="020B0609020204030204" pitchFamily="49" charset="0"/>
+              </a:rPr>
+              <a:t> </a:t>
+            </a:r>
+            <a:r>
+              <a:rPr lang="fr-FR" sz="3200" dirty="0">
+                <a:solidFill>
+                  <a:schemeClr val="accent2"/>
+                </a:solidFill>
+                <a:latin typeface="Consolas" panose="020B0609020204030204" pitchFamily="49" charset="0"/>
+              </a:rPr>
+              <a:t>2121</a:t>
+            </a:r>
+            <a:r>
+              <a:rPr lang="fr-FR" sz="3200" dirty="0">
+                <a:solidFill>
+                  <a:schemeClr val="bg1"/>
+                </a:solidFill>
+                <a:latin typeface="Consolas" panose="020B0609020204030204" pitchFamily="49" charset="0"/>
+              </a:rPr>
+              <a:t> </a:t>
+            </a:r>
+            <a:r>
+              <a:rPr lang="fr-FR" sz="3200" dirty="0" smtClean="0">
+                <a:solidFill>
+                  <a:schemeClr val="bg1"/>
+                </a:solidFill>
+                <a:latin typeface="Consolas" panose="020B0609020204030204" pitchFamily="49" charset="0"/>
+              </a:rPr>
+              <a:t>$</a:t>
+            </a:r>
+            <a:endParaRPr lang="fr-FR" sz="3200" dirty="0">
+              <a:solidFill>
+                <a:schemeClr val="bg1"/>
+              </a:solidFill>
+              <a:latin typeface="Consolas" panose="020B0609020204030204" pitchFamily="49" charset="0"/>
+            </a:endParaRPr>
+          </a:p>
+        </p:txBody>
+      </p:sp>
+      <p:sp>
+        <p:nvSpPr>
+          <p:cNvPr id="3" name="Slide Number Placeholder 2"/>
           <p:cNvSpPr>
             <a:spLocks noGrp="1"/>
           </p:cNvSpPr>
@@ -5362,10 +5374,68 @@
           </a:p>
         </p:txBody>
       </p:sp>
+      <p:sp>
+        <p:nvSpPr>
+          <p:cNvPr id="4" name="TextBox 3"/>
+          <p:cNvSpPr txBox="1"/>
+          <p:nvPr/>
+        </p:nvSpPr>
+        <p:spPr>
+          <a:xfrm>
+            <a:off x="1216324" y="5408762"/>
+            <a:ext cx="4652620" cy="369332"/>
+          </a:xfrm>
+          <a:prstGeom prst="rect">
+            <a:avLst/>
+          </a:prstGeom>
+          <a:noFill/>
+        </p:spPr>
+        <p:txBody>
+          <a:bodyPr wrap="none" rtlCol="0">
+            <a:spAutoFit/>
+          </a:bodyPr>
+          <a:lstStyle/>
+          <a:p>
+            <a:r>
+              <a:rPr lang="fr-FR" dirty="0" err="1" smtClean="0"/>
+              <a:t>Please</a:t>
+            </a:r>
+            <a:r>
+              <a:rPr lang="fr-FR" dirty="0" smtClean="0"/>
+              <a:t> </a:t>
+            </a:r>
+            <a:r>
+              <a:rPr lang="fr-FR" dirty="0" err="1" smtClean="0"/>
+              <a:t>don’t</a:t>
+            </a:r>
+            <a:r>
+              <a:rPr lang="fr-FR" dirty="0" smtClean="0"/>
+              <a:t> report bugs </a:t>
+            </a:r>
+            <a:r>
+              <a:rPr lang="fr-FR" dirty="0" err="1" smtClean="0"/>
+              <a:t>until</a:t>
+            </a:r>
+            <a:r>
+              <a:rPr lang="fr-FR" dirty="0" smtClean="0"/>
+              <a:t> end of </a:t>
+            </a:r>
+            <a:r>
+              <a:rPr lang="fr-FR" dirty="0" err="1" smtClean="0"/>
+              <a:t>slideshow</a:t>
+            </a:r>
+            <a:r>
+              <a:rPr lang="fr-FR" dirty="0" smtClean="0"/>
+              <a:t> </a:t>
+            </a:r>
+            <a:endParaRPr lang="fr-FR" dirty="0"/>
+          </a:p>
+        </p:txBody>
+      </p:sp>
     </p:spTree>
     <p:extLst>
       <p:ext uri="{BB962C8B-B14F-4D97-AF65-F5344CB8AC3E}">
-        <p14:creationId xmlns:p14="http://schemas.microsoft.com/office/powerpoint/2010/main" val="2830215831"/>
+        <p14:creationId xmlns:p14="http://schemas.microsoft.com/office/powerpoint/2010/main" val="1790708244"/>
       </p:ext>
     </p:extLst>
   </p:cSld>
@@ -5416,7 +5486,7 @@
           <a:p>
             <a:r>
               <a:rPr lang="fr-FR" dirty="0" smtClean="0"/>
-              <a:t>Implémentation</a:t>
+              <a:t>Pattern « Commande »</a:t>
             </a:r>
             <a:endParaRPr lang="fr-FR" dirty="0"/>
           </a:p>
@@ -5435,127 +5505,38 @@
         <p:spPr/>
         <p:txBody>
           <a:bodyPr>
-            <a:normAutofit/>
+            <a:normAutofit fontScale="92500" lnSpcReduction="10000"/>
           </a:bodyPr>
           <a:lstStyle/>
           <a:p>
             <a:r>
-              <a:rPr lang="fr-FR" sz="2400" dirty="0"/>
-              <a:t>Utilisation de l’annotation </a:t>
-            </a:r>
-            <a:r>
-              <a:rPr lang="fr-FR" sz="2400" dirty="0">
-                <a:solidFill>
-                  <a:schemeClr val="accent2"/>
-                </a:solidFill>
-                <a:latin typeface="Consolas" panose="020B0609020204030204" pitchFamily="49" charset="0"/>
-              </a:rPr>
-              <a:t>@</a:t>
-            </a:r>
-            <a:r>
-              <a:rPr lang="fr-FR" sz="2400" dirty="0" err="1" smtClean="0">
-                <a:solidFill>
-                  <a:schemeClr val="accent2"/>
-                </a:solidFill>
-                <a:latin typeface="Consolas" panose="020B0609020204030204" pitchFamily="49" charset="0"/>
-              </a:rPr>
-              <a:t>FunctionalInterface</a:t>
-            </a:r>
-            <a:r>
-              <a:rPr lang="fr-FR" sz="2400" dirty="0" smtClean="0">
-                <a:solidFill>
-                  <a:schemeClr val="accent2"/>
-                </a:solidFill>
-                <a:latin typeface="Consolas" panose="020B0609020204030204" pitchFamily="49" charset="0"/>
-              </a:rPr>
-              <a:t/>
+              <a:rPr lang="fr-FR" sz="2400" dirty="0" smtClean="0"/>
+              <a:t>Encapsule une action qui pourra être invoquée</a:t>
             </a:r>
             <a:br>
-              <a:rPr lang="fr-FR" sz="2400" dirty="0" smtClean="0">
-                <a:solidFill>
-                  <a:schemeClr val="accent2"/>
-                </a:solidFill>
-                <a:latin typeface="Consolas" panose="020B0609020204030204" pitchFamily="49" charset="0"/>
-              </a:rPr>
+              <a:rPr lang="fr-FR" sz="2400" dirty="0" smtClean="0"/>
             </a:br>
-            <a:endParaRPr lang="fr-FR" sz="2400" dirty="0" smtClean="0">
-              <a:solidFill>
-                <a:schemeClr val="accent2"/>
-              </a:solidFill>
-              <a:latin typeface="Consolas" panose="020B0609020204030204" pitchFamily="49" charset="0"/>
-            </a:endParaRPr>
-          </a:p>
-          <a:p>
             <a:r>
               <a:rPr lang="fr-FR" sz="2400" dirty="0" smtClean="0"/>
-              <a:t>Une </a:t>
-            </a:r>
-            <a:r>
-              <a:rPr lang="fr-FR" sz="2400" dirty="0"/>
-              <a:t>lambda est une </a:t>
-            </a:r>
-            <a:r>
-              <a:rPr lang="fr-FR" sz="2400" dirty="0" err="1" smtClean="0">
-                <a:solidFill>
-                  <a:schemeClr val="accent2"/>
-                </a:solidFill>
-                <a:latin typeface="Consolas" panose="020B0609020204030204" pitchFamily="49" charset="0"/>
-              </a:rPr>
-              <a:t>ConcreteCommand</a:t>
-            </a:r>
-            <a:r>
-              <a:rPr lang="fr-FR" sz="2400" dirty="0" smtClean="0">
-                <a:solidFill>
-                  <a:schemeClr val="accent2"/>
-                </a:solidFill>
-                <a:latin typeface="Consolas" panose="020B0609020204030204" pitchFamily="49" charset="0"/>
-              </a:rPr>
-              <a:t/>
-            </a:r>
-            <a:br>
-              <a:rPr lang="fr-FR" sz="2400" dirty="0" smtClean="0">
-                <a:solidFill>
-                  <a:schemeClr val="accent2"/>
-                </a:solidFill>
-                <a:latin typeface="Consolas" panose="020B0609020204030204" pitchFamily="49" charset="0"/>
-              </a:rPr>
-            </a:br>
-            <a:endParaRPr lang="fr-FR" sz="2400" dirty="0">
-              <a:solidFill>
-                <a:schemeClr val="accent2"/>
-              </a:solidFill>
-              <a:latin typeface="Consolas" panose="020B0609020204030204" pitchFamily="49" charset="0"/>
-            </a:endParaRPr>
-          </a:p>
-          <a:p>
-            <a:r>
-              <a:rPr lang="fr-FR" sz="2400" dirty="0"/>
-              <a:t>Le </a:t>
-            </a:r>
-            <a:r>
-              <a:rPr lang="fr-FR" sz="2400" dirty="0" err="1">
-                <a:solidFill>
-                  <a:schemeClr val="accent2"/>
-                </a:solidFill>
-                <a:latin typeface="Consolas" panose="020B0609020204030204" pitchFamily="49" charset="0"/>
-              </a:rPr>
-              <a:t>Receiver</a:t>
-            </a:r>
-            <a:r>
-              <a:rPr lang="fr-FR" sz="2400" dirty="0">
-                <a:solidFill>
-                  <a:schemeClr val="accent2"/>
-                </a:solidFill>
-              </a:rPr>
-              <a:t> </a:t>
-            </a:r>
-            <a:r>
-              <a:rPr lang="fr-FR" sz="2400" dirty="0"/>
-              <a:t>est </a:t>
-            </a:r>
+              <a:t>« plus tard »</a:t>
+            </a:r>
+          </a:p>
+          <a:p>
             <a:r>
               <a:rPr lang="fr-FR" sz="2400" dirty="0" smtClean="0"/>
-              <a:t>capturé implicitement</a:t>
+              <a:t>L’exécutant n’a pas besoin de connaître les détails de l’opération réalisée</a:t>
+            </a:r>
+          </a:p>
+          <a:p>
+            <a:r>
+              <a:rPr lang="fr-FR" sz="2400" dirty="0" smtClean="0"/>
+              <a:t>Répétable</a:t>
+            </a:r>
+          </a:p>
+          <a:p>
+            <a:r>
+              <a:rPr lang="fr-FR" sz="2400" dirty="0" smtClean="0"/>
+              <a:t>La commande peut être associée à une opération inverse permettant de l’annuler</a:t>
             </a:r>
             <a:endParaRPr lang="fr-FR" sz="2400" dirty="0"/>
           </a:p>
@@ -5563,7 +5544,7 @@
       </p:sp>
       <p:pic>
         <p:nvPicPr>
-          <p:cNvPr id="12" name="Content Placeholder 11"/>
+          <p:cNvPr id="5" name="Espace réservé du contenu 6"/>
           <p:cNvPicPr>
             <a:picLocks noGrp="1" noChangeAspect="1"/>
           </p:cNvPicPr>
@@ -5572,19 +5553,29 @@
           </p:nvPr>
         </p:nvPicPr>
         <p:blipFill>
-          <a:blip r:embed="rId2"/>
+          <a:blip r:embed="rId2">
+            <a:extLst>
+              <a:ext uri="{28A0092B-C50C-407E-A947-70E740481C1C}">
+                <a14:useLocalDpi xmlns:a14="http://schemas.microsoft.com/office/drawing/2010/main" val="0"/>
+              </a:ext>
+            </a:extLst>
+          </a:blip>
           <a:stretch>
             <a:fillRect/>
           </a:stretch>
         </p:blipFill>
         <p:spPr>
           <a:xfrm>
-            <a:off x="5367860" y="2273643"/>
-            <a:ext cx="2776787" cy="3065413"/>
+            <a:off x="5204780" y="2148681"/>
+            <a:ext cx="3310570" cy="3362433"/>
           </a:xfrm>
           <a:prstGeom prst="rect">
             <a:avLst/>
           </a:prstGeom>
+          <a:ln>
+            <a:noFill/>
+          </a:ln>
+          <a:effectLst/>
         </p:spPr>
       </p:pic>
       <p:sp>
@@ -5613,7 +5604,7 @@
     </p:spTree>
     <p:extLst>
       <p:ext uri="{BB962C8B-B14F-4D97-AF65-F5344CB8AC3E}">
-        <p14:creationId xmlns:p14="http://schemas.microsoft.com/office/powerpoint/2010/main" val="1144100803"/>
+        <p14:creationId xmlns:p14="http://schemas.microsoft.com/office/powerpoint/2010/main" val="2830215831"/>
       </p:ext>
     </p:extLst>
   </p:cSld>
@@ -5649,7 +5640,7 @@
       </p:grpSpPr>
       <p:sp>
         <p:nvSpPr>
-          <p:cNvPr id="7" name="Title 6"/>
+          <p:cNvPr id="2" name="Title 1"/>
           <p:cNvSpPr>
             <a:spLocks noGrp="1"/>
           </p:cNvSpPr>
@@ -5664,7 +5655,7 @@
           <a:p>
             <a:r>
               <a:rPr lang="fr-FR" dirty="0" smtClean="0"/>
-              <a:t>Architecture</a:t>
+              <a:t>Implémentation</a:t>
             </a:r>
             <a:endParaRPr lang="fr-FR" dirty="0"/>
           </a:p>
@@ -5672,12 +5663,12 @@
       </p:sp>
       <p:sp>
         <p:nvSpPr>
-          <p:cNvPr id="8" name="Content Placeholder 7"/>
-          <p:cNvSpPr>
-            <a:spLocks noGrp="1"/>
-          </p:cNvSpPr>
-          <p:nvPr>
-            <p:ph idx="1"/>
+          <p:cNvPr id="3" name="Content Placeholder 2"/>
+          <p:cNvSpPr>
+            <a:spLocks noGrp="1"/>
+          </p:cNvSpPr>
+          <p:nvPr>
+            <p:ph sz="half" idx="1"/>
           </p:nvPr>
         </p:nvSpPr>
         <p:spPr/>
@@ -5688,76 +5679,156 @@
           <a:lstStyle/>
           <a:p>
             <a:r>
-              <a:rPr lang="fr-FR" sz="2800" dirty="0" smtClean="0"/>
-              <a:t>Telnet</a:t>
-            </a:r>
-            <a:endParaRPr lang="fr-FR" sz="2800" dirty="0"/>
-          </a:p>
-          <a:p>
-            <a:pPr lvl="1"/>
-            <a:r>
-              <a:rPr lang="fr-FR" dirty="0" smtClean="0"/>
-              <a:t>Gestion du protocole Telnet</a:t>
-            </a:r>
-          </a:p>
-          <a:p>
-            <a:pPr lvl="1"/>
-            <a:r>
-              <a:rPr lang="fr-FR" dirty="0" smtClean="0"/>
-              <a:t>Implémentation des opérations basiques d’affichage</a:t>
-            </a:r>
-            <a:endParaRPr lang="fr-FR" dirty="0"/>
-          </a:p>
-          <a:p>
-            <a:r>
-              <a:rPr lang="fr-FR" sz="2800" dirty="0" smtClean="0"/>
-              <a:t>Keys</a:t>
-            </a:r>
-          </a:p>
-          <a:p>
-            <a:pPr lvl="1"/>
-            <a:r>
-              <a:rPr lang="fr-FR" dirty="0" smtClean="0"/>
-              <a:t>Gestion des entrées utilisateur</a:t>
-            </a:r>
-          </a:p>
-          <a:p>
-            <a:pPr lvl="1"/>
-            <a:r>
-              <a:rPr lang="fr-FR" dirty="0" smtClean="0"/>
-              <a:t>Gestion de collection de </a:t>
-            </a:r>
-            <a:r>
-              <a:rPr lang="fr-FR" i="1" dirty="0" smtClean="0"/>
-              <a:t>Key Bindings</a:t>
-            </a:r>
-          </a:p>
-          <a:p>
-            <a:r>
-              <a:rPr lang="fr-FR" sz="2800" dirty="0" smtClean="0"/>
-              <a:t>Game</a:t>
-            </a:r>
-          </a:p>
-          <a:p>
-            <a:pPr lvl="1"/>
-            <a:r>
-              <a:rPr lang="fr-FR" dirty="0" smtClean="0"/>
-              <a:t>Gestion du jeu / des niveaux / des commandes</a:t>
-            </a:r>
-          </a:p>
-          <a:p>
-            <a:pPr lvl="1"/>
-            <a:r>
-              <a:rPr lang="fr-FR" dirty="0" smtClean="0"/>
-              <a:t>Implémentation de l’affichage haut-niveau</a:t>
-            </a:r>
-            <a:endParaRPr lang="fr-FR" sz="2800" dirty="0"/>
-          </a:p>
-        </p:txBody>
-      </p:sp>
-      <p:sp>
-        <p:nvSpPr>
-          <p:cNvPr id="2" name="Slide Number Placeholder 1"/>
+              <a:rPr lang="fr-FR" sz="2400" dirty="0"/>
+              <a:t>Utilisation de l’annotation </a:t>
+            </a:r>
+            <a:r>
+              <a:rPr lang="fr-FR" sz="2400" dirty="0">
+                <a:solidFill>
+                  <a:schemeClr val="accent2"/>
+                </a:solidFill>
+                <a:latin typeface="Consolas" panose="020B0609020204030204" pitchFamily="49" charset="0"/>
+              </a:rPr>
+              <a:t>@</a:t>
+            </a:r>
+            <a:r>
+              <a:rPr lang="fr-FR" sz="2400" dirty="0" err="1" smtClean="0">
+                <a:solidFill>
+                  <a:schemeClr val="accent2"/>
+                </a:solidFill>
+                <a:latin typeface="Consolas" panose="020B0609020204030204" pitchFamily="49" charset="0"/>
+              </a:rPr>
+              <a:t>FunctionalInterface</a:t>
+            </a:r>
+            <a:r>
+              <a:rPr lang="fr-FR" sz="2400" dirty="0" smtClean="0">
+                <a:solidFill>
+                  <a:schemeClr val="accent2"/>
+                </a:solidFill>
+                <a:latin typeface="Consolas" panose="020B0609020204030204" pitchFamily="49" charset="0"/>
+              </a:rPr>
+              <a:t/>
+            </a:r>
+            <a:br>
+              <a:rPr lang="fr-FR" sz="2400" dirty="0" smtClean="0">
+                <a:solidFill>
+                  <a:schemeClr val="accent2"/>
+                </a:solidFill>
+                <a:latin typeface="Consolas" panose="020B0609020204030204" pitchFamily="49" charset="0"/>
+              </a:rPr>
+            </a:br>
+            <a:endParaRPr lang="fr-FR" sz="2400" dirty="0" smtClean="0">
+              <a:solidFill>
+                <a:schemeClr val="accent2"/>
+              </a:solidFill>
+              <a:latin typeface="Consolas" panose="020B0609020204030204" pitchFamily="49" charset="0"/>
+            </a:endParaRPr>
+          </a:p>
+          <a:p>
+            <a:r>
+              <a:rPr lang="fr-FR" sz="2400" dirty="0" smtClean="0"/>
+              <a:t>Une </a:t>
+            </a:r>
+            <a:r>
+              <a:rPr lang="fr-FR" sz="2400" dirty="0"/>
+              <a:t>lambda est une </a:t>
+            </a:r>
+            <a:r>
+              <a:rPr lang="fr-FR" sz="2400" dirty="0" err="1" smtClean="0">
+                <a:solidFill>
+                  <a:schemeClr val="accent2"/>
+                </a:solidFill>
+                <a:latin typeface="Consolas" panose="020B0609020204030204" pitchFamily="49" charset="0"/>
+              </a:rPr>
+              <a:t>ConcreteCommand</a:t>
+            </a:r>
+            <a:r>
+              <a:rPr lang="fr-FR" sz="2400" dirty="0" smtClean="0">
+                <a:solidFill>
+                  <a:schemeClr val="accent2"/>
+                </a:solidFill>
+                <a:latin typeface="Consolas" panose="020B0609020204030204" pitchFamily="49" charset="0"/>
+              </a:rPr>
+              <a:t/>
+            </a:r>
+            <a:br>
+              <a:rPr lang="fr-FR" sz="2400" dirty="0" smtClean="0">
+                <a:solidFill>
+                  <a:schemeClr val="accent2"/>
+                </a:solidFill>
+                <a:latin typeface="Consolas" panose="020B0609020204030204" pitchFamily="49" charset="0"/>
+              </a:rPr>
+            </a:br>
+            <a:endParaRPr lang="fr-FR" sz="2400" dirty="0">
+              <a:solidFill>
+                <a:schemeClr val="accent2"/>
+              </a:solidFill>
+              <a:latin typeface="Consolas" panose="020B0609020204030204" pitchFamily="49" charset="0"/>
+            </a:endParaRPr>
+          </a:p>
+          <a:p>
+            <a:r>
+              <a:rPr lang="fr-FR" sz="2400" dirty="0"/>
+              <a:t>Le </a:t>
+            </a:r>
+            <a:r>
+              <a:rPr lang="fr-FR" sz="2400" dirty="0" err="1">
+                <a:solidFill>
+                  <a:schemeClr val="accent2"/>
+                </a:solidFill>
+                <a:latin typeface="Consolas" panose="020B0609020204030204" pitchFamily="49" charset="0"/>
+              </a:rPr>
+              <a:t>Receiver</a:t>
+            </a:r>
+            <a:r>
+              <a:rPr lang="fr-FR" sz="2400" dirty="0">
+                <a:solidFill>
+                  <a:schemeClr val="accent2"/>
+                </a:solidFill>
+              </a:rPr>
+              <a:t> </a:t>
+            </a:r>
+            <a:r>
+              <a:rPr lang="fr-FR" sz="2400" dirty="0"/>
+              <a:t>est </a:t>
+            </a:r>
+            <a:r>
+              <a:rPr lang="fr-FR" sz="2400" dirty="0" smtClean="0"/>
+              <a:t>capturé implicitement</a:t>
+            </a:r>
+            <a:endParaRPr lang="fr-FR" sz="2400" dirty="0"/>
+          </a:p>
+        </p:txBody>
+      </p:sp>
+      <p:pic>
+        <p:nvPicPr>
+          <p:cNvPr id="12" name="Content Placeholder 11"/>
+          <p:cNvPicPr>
+            <a:picLocks noGrp="1" noChangeAspect="1"/>
+          </p:cNvPicPr>
+          <p:nvPr>
+            <p:ph sz="half" idx="2"/>
+          </p:nvPr>
+        </p:nvPicPr>
+        <p:blipFill>
+          <a:blip r:embed="rId2"/>
+          <a:stretch>
+            <a:fillRect/>
+          </a:stretch>
+        </p:blipFill>
+        <p:spPr>
+          <a:xfrm>
+            <a:off x="5367860" y="2273643"/>
+            <a:ext cx="2776787" cy="3065413"/>
+          </a:xfrm>
+          <a:prstGeom prst="rect">
+            <a:avLst/>
+          </a:prstGeom>
+        </p:spPr>
+      </p:pic>
+      <p:sp>
+        <p:nvSpPr>
+          <p:cNvPr id="4" name="Slide Number Placeholder 3"/>
           <p:cNvSpPr>
             <a:spLocks noGrp="1"/>
           </p:cNvSpPr>
@@ -5781,7 +5852,7 @@
     </p:spTree>
     <p:extLst>
       <p:ext uri="{BB962C8B-B14F-4D97-AF65-F5344CB8AC3E}">
-        <p14:creationId xmlns:p14="http://schemas.microsoft.com/office/powerpoint/2010/main" val="126919202"/>
+        <p14:creationId xmlns:p14="http://schemas.microsoft.com/office/powerpoint/2010/main" val="1144100803"/>
       </p:ext>
     </p:extLst>
   </p:cSld>
@@ -5817,7 +5888,7 @@
       </p:grpSpPr>
       <p:sp>
         <p:nvSpPr>
-          <p:cNvPr id="2" name="Title 1"/>
+          <p:cNvPr id="7" name="Title 6"/>
           <p:cNvSpPr>
             <a:spLocks noGrp="1"/>
           </p:cNvSpPr>
@@ -5832,41 +5903,100 @@
           <a:p>
             <a:r>
               <a:rPr lang="fr-FR" dirty="0" smtClean="0"/>
-              <a:t>Architecture générale</a:t>
+              <a:t>Architecture</a:t>
             </a:r>
             <a:endParaRPr lang="fr-FR" dirty="0"/>
           </a:p>
         </p:txBody>
       </p:sp>
-      <p:pic>
-        <p:nvPicPr>
-          <p:cNvPr id="4" name="Content Placeholder 3"/>
-          <p:cNvPicPr>
-            <a:picLocks noGrp="1" noChangeAspect="1"/>
-          </p:cNvPicPr>
+      <p:sp>
+        <p:nvSpPr>
+          <p:cNvPr id="8" name="Content Placeholder 7"/>
+          <p:cNvSpPr>
+            <a:spLocks noGrp="1"/>
+          </p:cNvSpPr>
           <p:nvPr>
             <p:ph idx="1"/>
           </p:nvPr>
-        </p:nvPicPr>
-        <p:blipFill>
-          <a:blip r:embed="rId2"/>
-          <a:stretch>
-            <a:fillRect/>
-          </a:stretch>
-        </p:blipFill>
-        <p:spPr>
-          <a:xfrm>
-            <a:off x="2652203" y="1690689"/>
-            <a:ext cx="3839594" cy="4631157"/>
-          </a:xfrm>
-          <a:prstGeom prst="rect">
-            <a:avLst/>
-          </a:prstGeom>
-        </p:spPr>
-      </p:pic>
-      <p:sp>
-        <p:nvSpPr>
-          <p:cNvPr id="3" name="Slide Number Placeholder 2"/>
+        </p:nvSpPr>
+        <p:spPr/>
+        <p:txBody>
+          <a:bodyPr>
+            <a:normAutofit/>
+          </a:bodyPr>
+          <a:lstStyle/>
+          <a:p>
+            <a:r>
+              <a:rPr lang="fr-FR" sz="2800" dirty="0" smtClean="0"/>
+              <a:t>Telnet</a:t>
+            </a:r>
+            <a:endParaRPr lang="fr-FR" sz="2800" dirty="0"/>
+          </a:p>
+          <a:p>
+            <a:pPr lvl="1"/>
+            <a:r>
+              <a:rPr lang="fr-FR" dirty="0" smtClean="0"/>
+              <a:t>Gestion du protocole Telnet</a:t>
+            </a:r>
+          </a:p>
+          <a:p>
+            <a:pPr lvl="1"/>
+            <a:r>
+              <a:rPr lang="fr-FR" dirty="0" smtClean="0"/>
+              <a:t>Implémentation des opérations basiques d’affichage</a:t>
+            </a:r>
+            <a:endParaRPr lang="fr-FR" dirty="0"/>
+          </a:p>
+          <a:p>
+            <a:r>
+              <a:rPr lang="fr-FR" sz="2800" dirty="0" smtClean="0"/>
+              <a:t>Keys</a:t>
+            </a:r>
+          </a:p>
+          <a:p>
+            <a:pPr lvl="1"/>
+            <a:r>
+              <a:rPr lang="fr-FR" dirty="0" smtClean="0"/>
+              <a:t>Gestion des entrées utilisateur</a:t>
+            </a:r>
+          </a:p>
+          <a:p>
+            <a:pPr lvl="1"/>
+            <a:r>
+              <a:rPr lang="fr-FR" dirty="0" smtClean="0"/>
+              <a:t>Gestion de collection de </a:t>
+            </a:r>
+            <a:r>
+              <a:rPr lang="fr-FR" i="1" dirty="0" smtClean="0"/>
+              <a:t>Key Bindings</a:t>
+            </a:r>
+          </a:p>
+          <a:p>
+            <a:r>
+              <a:rPr lang="fr-FR" sz="2800" dirty="0" smtClean="0"/>
+              <a:t>Game</a:t>
+            </a:r>
+          </a:p>
+          <a:p>
+            <a:pPr lvl="1"/>
+            <a:r>
+              <a:rPr lang="fr-FR" dirty="0" smtClean="0"/>
+              <a:t>Gestion du jeu / des niveaux / des commandes</a:t>
+            </a:r>
+          </a:p>
+          <a:p>
+            <a:pPr lvl="1"/>
+            <a:r>
+              <a:rPr lang="fr-FR" dirty="0" smtClean="0"/>
+              <a:t>Implémentation de l’affichage haut-niveau</a:t>
+            </a:r>
+            <a:endParaRPr lang="fr-FR" sz="2800" dirty="0"/>
+          </a:p>
+        </p:txBody>
+      </p:sp>
+      <p:sp>
+        <p:nvSpPr>
+          <p:cNvPr id="2" name="Slide Number Placeholder 1"/>
           <p:cNvSpPr>
             <a:spLocks noGrp="1"/>
           </p:cNvSpPr>
@@ -5890,7 +6020,7 @@
     </p:spTree>
     <p:extLst>
       <p:ext uri="{BB962C8B-B14F-4D97-AF65-F5344CB8AC3E}">
-        <p14:creationId xmlns:p14="http://schemas.microsoft.com/office/powerpoint/2010/main" val="3553015112"/>
+        <p14:creationId xmlns:p14="http://schemas.microsoft.com/office/powerpoint/2010/main" val="126919202"/>
       </p:ext>
     </p:extLst>
   </p:cSld>
@@ -5941,7 +6071,7 @@
           <a:p>
             <a:r>
               <a:rPr lang="fr-FR" dirty="0" smtClean="0"/>
-              <a:t>Keys</a:t>
+              <a:t>Architecture générale</a:t>
             </a:r>
             <a:endParaRPr lang="fr-FR" dirty="0"/>
           </a:p>
@@ -5965,8 +6095,8 @@
         </p:blipFill>
         <p:spPr>
           <a:xfrm>
-            <a:off x="1372144" y="1690689"/>
-            <a:ext cx="6399712" cy="3850377"/>
+            <a:off x="2652203" y="1690689"/>
+            <a:ext cx="3839594" cy="4631157"/>
           </a:xfrm>
           <a:prstGeom prst="rect">
             <a:avLst/>
@@ -5999,7 +6129,7 @@
     </p:spTree>
     <p:extLst>
       <p:ext uri="{BB962C8B-B14F-4D97-AF65-F5344CB8AC3E}">
-        <p14:creationId xmlns:p14="http://schemas.microsoft.com/office/powerpoint/2010/main" val="3955151137"/>
+        <p14:creationId xmlns:p14="http://schemas.microsoft.com/office/powerpoint/2010/main" val="3553015112"/>
       </p:ext>
     </p:extLst>
   </p:cSld>
